--- a/Slides/Have Your Pi and Eat It Too.pptx
+++ b/Slides/Have Your Pi and Eat It Too.pptx
@@ -767,7 +767,7 @@
           <a:p>
             <a:fld id="{18438622-0837-4E9E-A16C-0B0206CE676E}" type="datetimeFigureOut">
               <a:rPr lang="en-US" smtClean="0"/>
-              <a:t>8/22/2018</a:t>
+              <a:t>9/7/2018</a:t>
             </a:fld>
             <a:endParaRPr lang="en-US"/>
           </a:p>
@@ -1162,7 +1162,7 @@
           <a:bodyPr/>
           <a:lstStyle/>
           <a:p>
-            <a:endParaRPr lang="en-US"/>
+            <a:endParaRPr lang="en-US" dirty="0"/>
           </a:p>
         </p:txBody>
       </p:sp>
@@ -5440,7 +5440,7 @@
           <a:lstStyle/>
           <a:p>
             <a:r>
-              <a:rPr lang="en-US"/>
+              <a:rPr lang="en-US" dirty="0"/>
               <a:t>Click to edit Master title style</a:t>
             </a:r>
           </a:p>
@@ -5473,35 +5473,35 @@
           <a:p>
             <a:pPr lvl="0"/>
             <a:r>
-              <a:rPr lang="en-US"/>
+              <a:rPr lang="en-US" dirty="0"/>
               <a:t>Edit Master text styles</a:t>
             </a:r>
           </a:p>
           <a:p>
             <a:pPr lvl="1"/>
             <a:r>
-              <a:rPr lang="en-US"/>
+              <a:rPr lang="en-US" dirty="0"/>
               <a:t>Second level</a:t>
             </a:r>
           </a:p>
           <a:p>
             <a:pPr lvl="2"/>
             <a:r>
-              <a:rPr lang="en-US"/>
+              <a:rPr lang="en-US" dirty="0"/>
               <a:t>Third level</a:t>
             </a:r>
           </a:p>
           <a:p>
             <a:pPr lvl="3"/>
             <a:r>
-              <a:rPr lang="en-US"/>
+              <a:rPr lang="en-US" dirty="0"/>
               <a:t>Fourth level</a:t>
             </a:r>
           </a:p>
           <a:p>
             <a:pPr lvl="4"/>
             <a:r>
-              <a:rPr lang="en-US"/>
+              <a:rPr lang="en-US" dirty="0"/>
               <a:t>Fifth level</a:t>
             </a:r>
           </a:p>
@@ -7670,7 +7670,7 @@
           <a:p>
             <a:r>
               <a:rPr lang="en-US" dirty="0"/>
-              <a:t>Title</a:t>
+              <a:t>Have Your Pi and Eat It Too: .NET Core on Raspberry Pi</a:t>
             </a:r>
           </a:p>
         </p:txBody>
@@ -7696,7 +7696,10 @@
           <a:bodyPr/>
           <a:lstStyle/>
           <a:p>
-            <a:endParaRPr lang="en-US" dirty="0"/>
+            <a:r>
+              <a:rPr lang="en-US" dirty="0"/>
+              <a:t>Cam Soper</a:t>
+            </a:r>
           </a:p>
         </p:txBody>
       </p:sp>
@@ -8595,12 +8598,21 @@
 </file>
 
 <file path=customXml/item1.xml><?xml version="1.0" encoding="utf-8"?>
-<?mso-contentType ?>
-<FormTemplates xmlns="http://schemas.microsoft.com/sharepoint/v3/contenttype/forms">
-  <Display>DocumentLibraryForm</Display>
-  <Edit>DocumentLibraryForm</Edit>
-  <New>DocumentLibraryForm</New>
-</FormTemplates>
+<p:properties xmlns:p="http://schemas.microsoft.com/office/2006/metadata/properties" xmlns:xsi="http://www.w3.org/2001/XMLSchema-instance" xmlns:pc="http://schemas.microsoft.com/office/infopath/2007/PartnerControls">
+  <documentManagement>
+    <_ip_UnifiedCompliancePolicyProperties xmlns="http://schemas.microsoft.com/sharepoint/v3" xsi:nil="true"/>
+    <_ip_UnifiedCompliancePolicyUIAction xmlns="http://schemas.microsoft.com/sharepoint/v3" xsi:nil="true"/>
+    <LastSharedByUser xmlns="11245976-3b4d-4794-a754-317688483df2">jogallow@microsoft.com</LastSharedByUser>
+    <SharedWithUsers xmlns="11245976-3b4d-4794-a754-317688483df2">
+      <UserInfo>
+        <DisplayName>Martin Woodward</DisplayName>
+        <AccountId>67</AccountId>
+        <AccountType/>
+      </UserInfo>
+    </SharedWithUsers>
+    <LastSharedByTime xmlns="11245976-3b4d-4794-a754-317688483df2">2018-03-16T04:12:59+00:00</LastSharedByTime>
+  </documentManagement>
+</p:properties>
 </file>
 
 <file path=customXml/item2.xml><?xml version="1.0" encoding="utf-8"?>
@@ -8818,27 +8830,28 @@
 </file>
 
 <file path=customXml/item3.xml><?xml version="1.0" encoding="utf-8"?>
-<p:properties xmlns:p="http://schemas.microsoft.com/office/2006/metadata/properties" xmlns:xsi="http://www.w3.org/2001/XMLSchema-instance" xmlns:pc="http://schemas.microsoft.com/office/infopath/2007/PartnerControls">
-  <documentManagement>
-    <_ip_UnifiedCompliancePolicyProperties xmlns="http://schemas.microsoft.com/sharepoint/v3" xsi:nil="true"/>
-    <_ip_UnifiedCompliancePolicyUIAction xmlns="http://schemas.microsoft.com/sharepoint/v3" xsi:nil="true"/>
-    <LastSharedByUser xmlns="11245976-3b4d-4794-a754-317688483df2">jogallow@microsoft.com</LastSharedByUser>
-    <SharedWithUsers xmlns="11245976-3b4d-4794-a754-317688483df2">
-      <UserInfo>
-        <DisplayName>Martin Woodward</DisplayName>
-        <AccountId>67</AccountId>
-        <AccountType/>
-      </UserInfo>
-    </SharedWithUsers>
-    <LastSharedByTime xmlns="11245976-3b4d-4794-a754-317688483df2">2018-03-16T04:12:59+00:00</LastSharedByTime>
-  </documentManagement>
-</p:properties>
+<?mso-contentType ?>
+<FormTemplates xmlns="http://schemas.microsoft.com/sharepoint/v3/contenttype/forms">
+  <Display>DocumentLibraryForm</Display>
+  <Edit>DocumentLibraryForm</Edit>
+  <New>DocumentLibraryForm</New>
+</FormTemplates>
 </file>
 
 <file path=customXml/itemProps1.xml><?xml version="1.0" encoding="utf-8"?>
-<ds:datastoreItem xmlns:ds="http://schemas.openxmlformats.org/officeDocument/2006/customXml" ds:itemID="{093821A7-5528-48BE-BD00-067FBFDD28D5}">
+<ds:datastoreItem xmlns:ds="http://schemas.openxmlformats.org/officeDocument/2006/customXml" ds:itemID="{D23E43D6-DB2F-4C33-A8C8-D28F777A5DE7}">
   <ds:schemaRefs>
-    <ds:schemaRef ds:uri="http://schemas.microsoft.com/sharepoint/v3/contenttype/forms"/>
+    <ds:schemaRef ds:uri="http://schemas.microsoft.com/office/infopath/2007/PartnerControls"/>
+    <ds:schemaRef ds:uri="http://purl.org/dc/elements/1.1/"/>
+    <ds:schemaRef ds:uri="http://schemas.microsoft.com/office/2006/metadata/properties"/>
+    <ds:schemaRef ds:uri="http://schemas.microsoft.com/sharepoint/v3"/>
+    <ds:schemaRef ds:uri="http://purl.org/dc/terms/"/>
+    <ds:schemaRef ds:uri="http://schemas.openxmlformats.org/package/2006/metadata/core-properties"/>
+    <ds:schemaRef ds:uri="11245976-3b4d-4794-a754-317688483df2"/>
+    <ds:schemaRef ds:uri="http://schemas.microsoft.com/office/2006/documentManagement/types"/>
+    <ds:schemaRef ds:uri="569b343d-e775-480b-9b2b-6a6986deb9b0"/>
+    <ds:schemaRef ds:uri="http://www.w3.org/XML/1998/namespace"/>
+    <ds:schemaRef ds:uri="http://purl.org/dc/dcmitype/"/>
   </ds:schemaRefs>
 </ds:datastoreItem>
 </file>
@@ -8864,19 +8877,9 @@
 </file>
 
 <file path=customXml/itemProps3.xml><?xml version="1.0" encoding="utf-8"?>
-<ds:datastoreItem xmlns:ds="http://schemas.openxmlformats.org/officeDocument/2006/customXml" ds:itemID="{D23E43D6-DB2F-4C33-A8C8-D28F777A5DE7}">
+<ds:datastoreItem xmlns:ds="http://schemas.openxmlformats.org/officeDocument/2006/customXml" ds:itemID="{093821A7-5528-48BE-BD00-067FBFDD28D5}">
   <ds:schemaRefs>
-    <ds:schemaRef ds:uri="http://schemas.microsoft.com/office/infopath/2007/PartnerControls"/>
-    <ds:schemaRef ds:uri="http://purl.org/dc/elements/1.1/"/>
-    <ds:schemaRef ds:uri="http://schemas.microsoft.com/office/2006/metadata/properties"/>
-    <ds:schemaRef ds:uri="http://schemas.microsoft.com/sharepoint/v3"/>
-    <ds:schemaRef ds:uri="http://purl.org/dc/terms/"/>
-    <ds:schemaRef ds:uri="http://schemas.openxmlformats.org/package/2006/metadata/core-properties"/>
-    <ds:schemaRef ds:uri="11245976-3b4d-4794-a754-317688483df2"/>
-    <ds:schemaRef ds:uri="http://schemas.microsoft.com/office/2006/documentManagement/types"/>
-    <ds:schemaRef ds:uri="569b343d-e775-480b-9b2b-6a6986deb9b0"/>
-    <ds:schemaRef ds:uri="http://www.w3.org/XML/1998/namespace"/>
-    <ds:schemaRef ds:uri="http://purl.org/dc/dcmitype/"/>
+    <ds:schemaRef ds:uri="http://schemas.microsoft.com/sharepoint/v3/contenttype/forms"/>
   </ds:schemaRefs>
 </ds:datastoreItem>
 </file>
--- a/Slides/Have Your Pi and Eat It Too.pptx
+++ b/Slides/Have Your Pi and Eat It Too.pptx
@@ -5,15 +5,18 @@
     <p:sldMasterId id="2147483715" r:id="rId4"/>
   </p:sldMasterIdLst>
   <p:notesMasterIdLst>
-    <p:notesMasterId r:id="rId11"/>
+    <p:notesMasterId r:id="rId14"/>
   </p:notesMasterIdLst>
   <p:sldIdLst>
     <p:sldId id="256" r:id="rId5"/>
     <p:sldId id="257" r:id="rId6"/>
     <p:sldId id="263" r:id="rId7"/>
-    <p:sldId id="260" r:id="rId8"/>
-    <p:sldId id="261" r:id="rId9"/>
-    <p:sldId id="262" r:id="rId10"/>
+    <p:sldId id="264" r:id="rId8"/>
+    <p:sldId id="265" r:id="rId9"/>
+    <p:sldId id="266" r:id="rId10"/>
+    <p:sldId id="260" r:id="rId11"/>
+    <p:sldId id="261" r:id="rId12"/>
+    <p:sldId id="262" r:id="rId13"/>
   </p:sldIdLst>
   <p:sldSz cx="12192000" cy="6858000"/>
   <p:notesSz cx="6858000" cy="9144000"/>
@@ -120,6 +123,9 @@
             <p14:sldId id="256"/>
             <p14:sldId id="257"/>
             <p14:sldId id="263"/>
+            <p14:sldId id="264"/>
+            <p14:sldId id="265"/>
+            <p14:sldId id="266"/>
             <p14:sldId id="260"/>
             <p14:sldId id="261"/>
             <p14:sldId id="262"/>
@@ -129,6 +135,9 @@
     </p:ext>
     <p:ext uri="{EFAFB233-063F-42B5-8137-9DF3F51BA10A}">
       <p15:sldGuideLst xmlns:p15="http://schemas.microsoft.com/office/powerpoint/2012/main"/>
+    </p:ext>
+    <p:ext uri="{2D200454-40CA-4A62-9FC3-DE9A4176ACB9}">
+      <p15:notesGuideLst xmlns:p15="http://schemas.microsoft.com/office/powerpoint/2012/main"/>
     </p:ext>
   </p:extLst>
 </p:presentation>
@@ -767,7 +776,7 @@
           <a:p>
             <a:fld id="{18438622-0837-4E9E-A16C-0B0206CE676E}" type="datetimeFigureOut">
               <a:rPr lang="en-US" smtClean="0"/>
-              <a:t>9/7/2018</a:t>
+              <a:t>9/10/2018</a:t>
             </a:fld>
             <a:endParaRPr lang="en-US"/>
           </a:p>
@@ -1360,7 +1369,7 @@
     </p:spTree>
     <p:extLst>
       <p:ext uri="{BB962C8B-B14F-4D97-AF65-F5344CB8AC3E}">
-        <p14:creationId xmlns:p14="http://schemas.microsoft.com/office/powerpoint/2010/main" val="1182493613"/>
+        <p14:creationId xmlns:p14="http://schemas.microsoft.com/office/powerpoint/2010/main" val="1763450971"/>
       </p:ext>
     </p:extLst>
   </p:cSld>
@@ -1444,7 +1453,7 @@
     </p:spTree>
     <p:extLst>
       <p:ext uri="{BB962C8B-B14F-4D97-AF65-F5344CB8AC3E}">
-        <p14:creationId xmlns:p14="http://schemas.microsoft.com/office/powerpoint/2010/main" val="1117941490"/>
+        <p14:creationId xmlns:p14="http://schemas.microsoft.com/office/powerpoint/2010/main" val="793167999"/>
       </p:ext>
     </p:extLst>
   </p:cSld>
@@ -1520,6 +1529,258 @@
             <a:fld id="{E0AE778D-2A57-4226-B72B-26EA3CA60131}" type="slidenum">
               <a:rPr lang="en-US" smtClean="0"/>
               <a:t>6</a:t>
+            </a:fld>
+            <a:endParaRPr lang="en-US"/>
+          </a:p>
+        </p:txBody>
+      </p:sp>
+    </p:spTree>
+    <p:extLst>
+      <p:ext uri="{BB962C8B-B14F-4D97-AF65-F5344CB8AC3E}">
+        <p14:creationId xmlns:p14="http://schemas.microsoft.com/office/powerpoint/2010/main" val="1983703086"/>
+      </p:ext>
+    </p:extLst>
+  </p:cSld>
+  <p:clrMapOvr>
+    <a:masterClrMapping/>
+  </p:clrMapOvr>
+</p:notes>
+</file>
+
+<file path=ppt/notesSlides/notesSlide7.xml><?xml version="1.0" encoding="utf-8"?>
+<p:notes xmlns:a="http://schemas.openxmlformats.org/drawingml/2006/main" xmlns:r="http://schemas.openxmlformats.org/officeDocument/2006/relationships" xmlns:p="http://schemas.openxmlformats.org/presentationml/2006/main">
+  <p:cSld>
+    <p:spTree>
+      <p:nvGrpSpPr>
+        <p:cNvPr id="1" name=""/>
+        <p:cNvGrpSpPr/>
+        <p:nvPr/>
+      </p:nvGrpSpPr>
+      <p:grpSpPr>
+        <a:xfrm>
+          <a:off x="0" y="0"/>
+          <a:ext cx="0" cy="0"/>
+          <a:chOff x="0" y="0"/>
+          <a:chExt cx="0" cy="0"/>
+        </a:xfrm>
+      </p:grpSpPr>
+      <p:sp>
+        <p:nvSpPr>
+          <p:cNvPr id="2" name="Slide Image Placeholder 1"/>
+          <p:cNvSpPr>
+            <a:spLocks noGrp="1" noRot="1" noChangeAspect="1"/>
+          </p:cNvSpPr>
+          <p:nvPr>
+            <p:ph type="sldImg"/>
+          </p:nvPr>
+        </p:nvSpPr>
+        <p:spPr/>
+      </p:sp>
+      <p:sp>
+        <p:nvSpPr>
+          <p:cNvPr id="3" name="Notes Placeholder 2"/>
+          <p:cNvSpPr>
+            <a:spLocks noGrp="1"/>
+          </p:cNvSpPr>
+          <p:nvPr>
+            <p:ph type="body" idx="1"/>
+          </p:nvPr>
+        </p:nvSpPr>
+        <p:spPr/>
+        <p:txBody>
+          <a:bodyPr/>
+          <a:lstStyle/>
+          <a:p>
+            <a:endParaRPr lang="en-US"/>
+          </a:p>
+        </p:txBody>
+      </p:sp>
+      <p:sp>
+        <p:nvSpPr>
+          <p:cNvPr id="4" name="Slide Number Placeholder 3"/>
+          <p:cNvSpPr>
+            <a:spLocks noGrp="1"/>
+          </p:cNvSpPr>
+          <p:nvPr>
+            <p:ph type="sldNum" sz="quarter" idx="10"/>
+          </p:nvPr>
+        </p:nvSpPr>
+        <p:spPr/>
+        <p:txBody>
+          <a:bodyPr/>
+          <a:lstStyle/>
+          <a:p>
+            <a:fld id="{E0AE778D-2A57-4226-B72B-26EA3CA60131}" type="slidenum">
+              <a:rPr lang="en-US" smtClean="0"/>
+              <a:t>7</a:t>
+            </a:fld>
+            <a:endParaRPr lang="en-US"/>
+          </a:p>
+        </p:txBody>
+      </p:sp>
+    </p:spTree>
+    <p:extLst>
+      <p:ext uri="{BB962C8B-B14F-4D97-AF65-F5344CB8AC3E}">
+        <p14:creationId xmlns:p14="http://schemas.microsoft.com/office/powerpoint/2010/main" val="1182493613"/>
+      </p:ext>
+    </p:extLst>
+  </p:cSld>
+  <p:clrMapOvr>
+    <a:masterClrMapping/>
+  </p:clrMapOvr>
+</p:notes>
+</file>
+
+<file path=ppt/notesSlides/notesSlide8.xml><?xml version="1.0" encoding="utf-8"?>
+<p:notes xmlns:a="http://schemas.openxmlformats.org/drawingml/2006/main" xmlns:r="http://schemas.openxmlformats.org/officeDocument/2006/relationships" xmlns:p="http://schemas.openxmlformats.org/presentationml/2006/main">
+  <p:cSld>
+    <p:spTree>
+      <p:nvGrpSpPr>
+        <p:cNvPr id="1" name=""/>
+        <p:cNvGrpSpPr/>
+        <p:nvPr/>
+      </p:nvGrpSpPr>
+      <p:grpSpPr>
+        <a:xfrm>
+          <a:off x="0" y="0"/>
+          <a:ext cx="0" cy="0"/>
+          <a:chOff x="0" y="0"/>
+          <a:chExt cx="0" cy="0"/>
+        </a:xfrm>
+      </p:grpSpPr>
+      <p:sp>
+        <p:nvSpPr>
+          <p:cNvPr id="2" name="Slide Image Placeholder 1"/>
+          <p:cNvSpPr>
+            <a:spLocks noGrp="1" noRot="1" noChangeAspect="1"/>
+          </p:cNvSpPr>
+          <p:nvPr>
+            <p:ph type="sldImg"/>
+          </p:nvPr>
+        </p:nvSpPr>
+        <p:spPr/>
+      </p:sp>
+      <p:sp>
+        <p:nvSpPr>
+          <p:cNvPr id="3" name="Notes Placeholder 2"/>
+          <p:cNvSpPr>
+            <a:spLocks noGrp="1"/>
+          </p:cNvSpPr>
+          <p:nvPr>
+            <p:ph type="body" idx="1"/>
+          </p:nvPr>
+        </p:nvSpPr>
+        <p:spPr/>
+        <p:txBody>
+          <a:bodyPr/>
+          <a:lstStyle/>
+          <a:p>
+            <a:endParaRPr lang="en-US"/>
+          </a:p>
+        </p:txBody>
+      </p:sp>
+      <p:sp>
+        <p:nvSpPr>
+          <p:cNvPr id="4" name="Slide Number Placeholder 3"/>
+          <p:cNvSpPr>
+            <a:spLocks noGrp="1"/>
+          </p:cNvSpPr>
+          <p:nvPr>
+            <p:ph type="sldNum" sz="quarter" idx="10"/>
+          </p:nvPr>
+        </p:nvSpPr>
+        <p:spPr/>
+        <p:txBody>
+          <a:bodyPr/>
+          <a:lstStyle/>
+          <a:p>
+            <a:fld id="{E0AE778D-2A57-4226-B72B-26EA3CA60131}" type="slidenum">
+              <a:rPr lang="en-US" smtClean="0"/>
+              <a:t>8</a:t>
+            </a:fld>
+            <a:endParaRPr lang="en-US"/>
+          </a:p>
+        </p:txBody>
+      </p:sp>
+    </p:spTree>
+    <p:extLst>
+      <p:ext uri="{BB962C8B-B14F-4D97-AF65-F5344CB8AC3E}">
+        <p14:creationId xmlns:p14="http://schemas.microsoft.com/office/powerpoint/2010/main" val="1117941490"/>
+      </p:ext>
+    </p:extLst>
+  </p:cSld>
+  <p:clrMapOvr>
+    <a:masterClrMapping/>
+  </p:clrMapOvr>
+</p:notes>
+</file>
+
+<file path=ppt/notesSlides/notesSlide9.xml><?xml version="1.0" encoding="utf-8"?>
+<p:notes xmlns:a="http://schemas.openxmlformats.org/drawingml/2006/main" xmlns:r="http://schemas.openxmlformats.org/officeDocument/2006/relationships" xmlns:p="http://schemas.openxmlformats.org/presentationml/2006/main">
+  <p:cSld>
+    <p:spTree>
+      <p:nvGrpSpPr>
+        <p:cNvPr id="1" name=""/>
+        <p:cNvGrpSpPr/>
+        <p:nvPr/>
+      </p:nvGrpSpPr>
+      <p:grpSpPr>
+        <a:xfrm>
+          <a:off x="0" y="0"/>
+          <a:ext cx="0" cy="0"/>
+          <a:chOff x="0" y="0"/>
+          <a:chExt cx="0" cy="0"/>
+        </a:xfrm>
+      </p:grpSpPr>
+      <p:sp>
+        <p:nvSpPr>
+          <p:cNvPr id="2" name="Slide Image Placeholder 1"/>
+          <p:cNvSpPr>
+            <a:spLocks noGrp="1" noRot="1" noChangeAspect="1"/>
+          </p:cNvSpPr>
+          <p:nvPr>
+            <p:ph type="sldImg"/>
+          </p:nvPr>
+        </p:nvSpPr>
+        <p:spPr/>
+      </p:sp>
+      <p:sp>
+        <p:nvSpPr>
+          <p:cNvPr id="3" name="Notes Placeholder 2"/>
+          <p:cNvSpPr>
+            <a:spLocks noGrp="1"/>
+          </p:cNvSpPr>
+          <p:nvPr>
+            <p:ph type="body" idx="1"/>
+          </p:nvPr>
+        </p:nvSpPr>
+        <p:spPr/>
+        <p:txBody>
+          <a:bodyPr/>
+          <a:lstStyle/>
+          <a:p>
+            <a:endParaRPr lang="en-US" dirty="0"/>
+          </a:p>
+        </p:txBody>
+      </p:sp>
+      <p:sp>
+        <p:nvSpPr>
+          <p:cNvPr id="4" name="Slide Number Placeholder 3"/>
+          <p:cNvSpPr>
+            <a:spLocks noGrp="1"/>
+          </p:cNvSpPr>
+          <p:nvPr>
+            <p:ph type="sldNum" sz="quarter" idx="10"/>
+          </p:nvPr>
+        </p:nvSpPr>
+        <p:spPr/>
+        <p:txBody>
+          <a:bodyPr/>
+          <a:lstStyle/>
+          <a:p>
+            <a:fld id="{E0AE778D-2A57-4226-B72B-26EA3CA60131}" type="slidenum">
+              <a:rPr lang="en-US" smtClean="0"/>
+              <a:t>9</a:t>
             </a:fld>
             <a:endParaRPr lang="en-US"/>
           </a:p>
@@ -7691,7 +7952,12 @@
             <p:ph type="body" sz="quarter" idx="12"/>
           </p:nvPr>
         </p:nvSpPr>
-        <p:spPr/>
+        <p:spPr>
+          <a:xfrm>
+            <a:off x="543146" y="3718877"/>
+            <a:ext cx="9860611" cy="1165866"/>
+          </a:xfrm>
+        </p:spPr>
         <p:txBody>
           <a:bodyPr/>
           <a:lstStyle/>
@@ -7699,6 +7965,18 @@
             <a:r>
               <a:rPr lang="en-US" dirty="0"/>
               <a:t>Cam Soper</a:t>
+            </a:r>
+          </a:p>
+          <a:p>
+            <a:r>
+              <a:rPr lang="en-US" dirty="0"/>
+              <a:t>Senior Content Developer</a:t>
+            </a:r>
+          </a:p>
+          <a:p>
+            <a:r>
+              <a:rPr lang="en-US" dirty="0"/>
+              <a:t>Microsoft</a:t>
             </a:r>
           </a:p>
         </p:txBody>
@@ -7745,37 +8023,48 @@
           <a:chExt cx="0" cy="0"/>
         </a:xfrm>
       </p:grpSpPr>
-      <p:sp>
-        <p:nvSpPr>
-          <p:cNvPr id="2" name="Text Placeholder 1">
+      <p:pic>
+        <p:nvPicPr>
+          <p:cNvPr id="20" name="Picture 19">
             <a:extLst>
               <a:ext uri="{FF2B5EF4-FFF2-40B4-BE49-F238E27FC236}">
-                <a16:creationId xmlns:a16="http://schemas.microsoft.com/office/drawing/2014/main" id="{9854F6B1-9A29-47D2-8AA6-EA9FFD02BA9D}"/>
+                <a16:creationId xmlns:a16="http://schemas.microsoft.com/office/drawing/2014/main" id="{E9A99BB8-75A8-4B85-B9E9-C9B076F74D42}"/>
               </a:ext>
             </a:extLst>
           </p:cNvPr>
-          <p:cNvSpPr>
-            <a:spLocks noGrp="1"/>
-          </p:cNvSpPr>
-          <p:nvPr>
-            <p:ph type="body" sz="quarter" idx="10"/>
-          </p:nvPr>
-        </p:nvSpPr>
-        <p:spPr/>
-        <p:txBody>
-          <a:bodyPr/>
-          <a:lstStyle/>
-          <a:p>
-            <a:endParaRPr lang="en-US" dirty="0"/>
-          </a:p>
-        </p:txBody>
-      </p:sp>
+          <p:cNvPicPr>
+            <a:picLocks noChangeAspect="1"/>
+          </p:cNvPicPr>
+          <p:nvPr/>
+        </p:nvPicPr>
+        <p:blipFill>
+          <a:blip r:embed="rId3">
+            <a:extLst>
+              <a:ext uri="{28A0092B-C50C-407E-A947-70E740481C1C}">
+                <a14:useLocalDpi xmlns:a14="http://schemas.microsoft.com/office/drawing/2010/main" val="0"/>
+              </a:ext>
+            </a:extLst>
+          </a:blip>
+          <a:stretch>
+            <a:fillRect/>
+          </a:stretch>
+        </p:blipFill>
+        <p:spPr>
+          <a:xfrm>
+            <a:off x="942693" y="1829816"/>
+            <a:ext cx="10306613" cy="3699396"/>
+          </a:xfrm>
+          <a:prstGeom prst="rect">
+            <a:avLst/>
+          </a:prstGeom>
+        </p:spPr>
+      </p:pic>
       <p:sp>
         <p:nvSpPr>
-          <p:cNvPr id="3" name="Title 2">
+          <p:cNvPr id="4" name="Title 3">
             <a:extLst>
               <a:ext uri="{FF2B5EF4-FFF2-40B4-BE49-F238E27FC236}">
-                <a16:creationId xmlns:a16="http://schemas.microsoft.com/office/drawing/2014/main" id="{4D6FEFBB-5DFC-4490-BA6A-1BC45DEA5EC8}"/>
+                <a16:creationId xmlns:a16="http://schemas.microsoft.com/office/drawing/2014/main" id="{EA26DA1F-BA35-48C8-A688-5FB509C731DD}"/>
               </a:ext>
             </a:extLst>
           </p:cNvPr>
@@ -7791,7 +8080,198 @@
           <a:bodyPr/>
           <a:lstStyle/>
           <a:p>
-            <a:endParaRPr lang="en-US" dirty="0"/>
+            <a:r>
+              <a:rPr lang="en-US" dirty="0"/>
+              <a:t>Hello World (LED)</a:t>
+            </a:r>
+          </a:p>
+        </p:txBody>
+      </p:sp>
+      <p:sp>
+        <p:nvSpPr>
+          <p:cNvPr id="16" name="Callout: Bent Line 15">
+            <a:extLst>
+              <a:ext uri="{FF2B5EF4-FFF2-40B4-BE49-F238E27FC236}">
+                <a16:creationId xmlns:a16="http://schemas.microsoft.com/office/drawing/2014/main" id="{1F4BD899-48C5-488D-8039-8963704A9216}"/>
+              </a:ext>
+            </a:extLst>
+          </p:cNvPr>
+          <p:cNvSpPr/>
+          <p:nvPr/>
+        </p:nvSpPr>
+        <p:spPr bwMode="auto">
+          <a:xfrm>
+            <a:off x="1492908" y="5684310"/>
+            <a:ext cx="1527463" cy="633845"/>
+          </a:xfrm>
+          <a:prstGeom prst="borderCallout2">
+            <a:avLst>
+              <a:gd name="adj1" fmla="val 52300"/>
+              <a:gd name="adj2" fmla="val 104434"/>
+              <a:gd name="adj3" fmla="val 52299"/>
+              <a:gd name="adj4" fmla="val 123944"/>
+              <a:gd name="adj5" fmla="val -189445"/>
+              <a:gd name="adj6" fmla="val 134317"/>
+            </a:avLst>
+          </a:prstGeom>
+          <a:solidFill>
+            <a:schemeClr val="accent1"/>
+          </a:solidFill>
+          <a:ln>
+            <a:solidFill>
+              <a:srgbClr val="231F20"/>
+            </a:solidFill>
+            <a:headEnd type="none" w="med" len="med"/>
+            <a:tailEnd type="none" w="med" len="med"/>
+          </a:ln>
+          <a:effectLst/>
+        </p:spPr>
+        <p:style>
+          <a:lnRef idx="1">
+            <a:schemeClr val="accent2"/>
+          </a:lnRef>
+          <a:fillRef idx="3">
+            <a:schemeClr val="accent2"/>
+          </a:fillRef>
+          <a:effectRef idx="2">
+            <a:schemeClr val="accent2"/>
+          </a:effectRef>
+          <a:fontRef idx="minor">
+            <a:schemeClr val="lt1"/>
+          </a:fontRef>
+        </p:style>
+        <p:txBody>
+          <a:bodyPr rot="0" spcFirstLastPara="0" vertOverflow="overflow" horzOverflow="overflow" vert="horz" wrap="square" lIns="182880" tIns="146304" rIns="182880" bIns="146304" numCol="1" spcCol="0" rtlCol="0" fromWordArt="0" anchor="t" anchorCtr="0" forceAA="0" compatLnSpc="1">
+            <a:prstTxWarp prst="textNoShape">
+              <a:avLst/>
+            </a:prstTxWarp>
+            <a:noAutofit/>
+          </a:bodyPr>
+          <a:lstStyle/>
+          <a:p>
+            <a:pPr algn="ctr" defTabSz="932472" fontAlgn="base">
+              <a:lnSpc>
+                <a:spcPct val="90000"/>
+              </a:lnSpc>
+              <a:spcBef>
+                <a:spcPct val="0"/>
+              </a:spcBef>
+              <a:spcAft>
+                <a:spcPct val="0"/>
+              </a:spcAft>
+            </a:pPr>
+            <a:r>
+              <a:rPr lang="en-US" sz="2400" dirty="0">
+                <a:gradFill>
+                  <a:gsLst>
+                    <a:gs pos="0">
+                      <a:srgbClr val="FFFFFF"/>
+                    </a:gs>
+                    <a:gs pos="100000">
+                      <a:srgbClr val="FFFFFF"/>
+                    </a:gs>
+                  </a:gsLst>
+                  <a:lin ang="5400000" scaled="0"/>
+                </a:gradFill>
+                <a:ea typeface="Segoe UI" pitchFamily="34" charset="0"/>
+                <a:cs typeface="Segoe UI" pitchFamily="34" charset="0"/>
+              </a:rPr>
+              <a:t>GPIO 17</a:t>
+            </a:r>
+          </a:p>
+        </p:txBody>
+      </p:sp>
+      <p:sp>
+        <p:nvSpPr>
+          <p:cNvPr id="17" name="Callout: Bent Line 16">
+            <a:extLst>
+              <a:ext uri="{FF2B5EF4-FFF2-40B4-BE49-F238E27FC236}">
+                <a16:creationId xmlns:a16="http://schemas.microsoft.com/office/drawing/2014/main" id="{1AA410B9-DC69-4321-81FA-C9D419D311C0}"/>
+              </a:ext>
+            </a:extLst>
+          </p:cNvPr>
+          <p:cNvSpPr/>
+          <p:nvPr/>
+        </p:nvSpPr>
+        <p:spPr bwMode="auto">
+          <a:xfrm>
+            <a:off x="6826102" y="1202495"/>
+            <a:ext cx="1403498" cy="627321"/>
+          </a:xfrm>
+          <a:prstGeom prst="borderCallout2">
+            <a:avLst>
+              <a:gd name="adj1" fmla="val 50953"/>
+              <a:gd name="adj2" fmla="val -9848"/>
+              <a:gd name="adj3" fmla="val 62818"/>
+              <a:gd name="adj4" fmla="val -40910"/>
+              <a:gd name="adj5" fmla="val 276907"/>
+              <a:gd name="adj6" fmla="val -101212"/>
+            </a:avLst>
+          </a:prstGeom>
+          <a:solidFill>
+            <a:schemeClr val="accent1"/>
+          </a:solidFill>
+          <a:ln>
+            <a:solidFill>
+              <a:srgbClr val="231F20"/>
+            </a:solidFill>
+            <a:headEnd type="none" w="med" len="med"/>
+            <a:tailEnd type="none" w="med" len="med"/>
+          </a:ln>
+          <a:effectLst/>
+        </p:spPr>
+        <p:style>
+          <a:lnRef idx="1">
+            <a:schemeClr val="accent2"/>
+          </a:lnRef>
+          <a:fillRef idx="3">
+            <a:schemeClr val="accent2"/>
+          </a:fillRef>
+          <a:effectRef idx="2">
+            <a:schemeClr val="accent2"/>
+          </a:effectRef>
+          <a:fontRef idx="minor">
+            <a:schemeClr val="lt1"/>
+          </a:fontRef>
+        </p:style>
+        <p:txBody>
+          <a:bodyPr rot="0" spcFirstLastPara="0" vertOverflow="overflow" horzOverflow="overflow" vert="horz" wrap="square" lIns="182880" tIns="146304" rIns="182880" bIns="146304" numCol="1" spcCol="0" rtlCol="0" fromWordArt="0" anchor="t" anchorCtr="0" forceAA="0" compatLnSpc="1">
+            <a:prstTxWarp prst="textNoShape">
+              <a:avLst/>
+            </a:prstTxWarp>
+            <a:noAutofit/>
+          </a:bodyPr>
+          <a:lstStyle/>
+          <a:p>
+            <a:pPr algn="ctr" defTabSz="932472" fontAlgn="base">
+              <a:lnSpc>
+                <a:spcPct val="90000"/>
+              </a:lnSpc>
+              <a:spcBef>
+                <a:spcPct val="0"/>
+              </a:spcBef>
+              <a:spcAft>
+                <a:spcPct val="0"/>
+              </a:spcAft>
+            </a:pPr>
+            <a:r>
+              <a:rPr lang="en-US" sz="2400" dirty="0">
+                <a:gradFill>
+                  <a:gsLst>
+                    <a:gs pos="0">
+                      <a:srgbClr val="FFFFFF"/>
+                    </a:gs>
+                    <a:gs pos="100000">
+                      <a:srgbClr val="FFFFFF"/>
+                    </a:gs>
+                  </a:gsLst>
+                  <a:lin ang="5400000" scaled="0"/>
+                </a:gradFill>
+                <a:ea typeface="Segoe UI" pitchFamily="34" charset="0"/>
+                <a:cs typeface="Segoe UI" pitchFamily="34" charset="0"/>
+              </a:rPr>
+              <a:t>Ground</a:t>
+            </a:r>
           </a:p>
         </p:txBody>
       </p:sp>
@@ -7812,6 +8292,1107 @@
 </file>
 
 <file path=ppt/slides/slide4.xml><?xml version="1.0" encoding="utf-8"?>
+<p:sld xmlns:a="http://schemas.openxmlformats.org/drawingml/2006/main" xmlns:r="http://schemas.openxmlformats.org/officeDocument/2006/relationships" xmlns:p="http://schemas.openxmlformats.org/presentationml/2006/main">
+  <p:cSld>
+    <p:spTree>
+      <p:nvGrpSpPr>
+        <p:cNvPr id="1" name=""/>
+        <p:cNvGrpSpPr/>
+        <p:nvPr/>
+      </p:nvGrpSpPr>
+      <p:grpSpPr>
+        <a:xfrm>
+          <a:off x="0" y="0"/>
+          <a:ext cx="0" cy="0"/>
+          <a:chOff x="0" y="0"/>
+          <a:chExt cx="0" cy="0"/>
+        </a:xfrm>
+      </p:grpSpPr>
+      <p:pic>
+        <p:nvPicPr>
+          <p:cNvPr id="6" name="Picture 5">
+            <a:extLst>
+              <a:ext uri="{FF2B5EF4-FFF2-40B4-BE49-F238E27FC236}">
+                <a16:creationId xmlns:a16="http://schemas.microsoft.com/office/drawing/2014/main" id="{CE8D95F3-9583-49AB-90B7-FF2097CAB857}"/>
+              </a:ext>
+            </a:extLst>
+          </p:cNvPr>
+          <p:cNvPicPr>
+            <a:picLocks noChangeAspect="1"/>
+          </p:cNvPicPr>
+          <p:nvPr/>
+        </p:nvPicPr>
+        <p:blipFill>
+          <a:blip r:embed="rId3">
+            <a:extLst>
+              <a:ext uri="{28A0092B-C50C-407E-A947-70E740481C1C}">
+                <a14:useLocalDpi xmlns:a14="http://schemas.microsoft.com/office/drawing/2010/main" val="0"/>
+              </a:ext>
+            </a:extLst>
+          </a:blip>
+          <a:stretch>
+            <a:fillRect/>
+          </a:stretch>
+        </p:blipFill>
+        <p:spPr>
+          <a:xfrm>
+            <a:off x="2236102" y="1506263"/>
+            <a:ext cx="8261573" cy="4339104"/>
+          </a:xfrm>
+          <a:prstGeom prst="rect">
+            <a:avLst/>
+          </a:prstGeom>
+        </p:spPr>
+      </p:pic>
+      <p:sp>
+        <p:nvSpPr>
+          <p:cNvPr id="4" name="Title 3">
+            <a:extLst>
+              <a:ext uri="{FF2B5EF4-FFF2-40B4-BE49-F238E27FC236}">
+                <a16:creationId xmlns:a16="http://schemas.microsoft.com/office/drawing/2014/main" id="{EA26DA1F-BA35-48C8-A688-5FB509C731DD}"/>
+              </a:ext>
+            </a:extLst>
+          </p:cNvPr>
+          <p:cNvSpPr>
+            <a:spLocks noGrp="1"/>
+          </p:cNvSpPr>
+          <p:nvPr>
+            <p:ph type="title"/>
+          </p:nvPr>
+        </p:nvSpPr>
+        <p:spPr/>
+        <p:txBody>
+          <a:bodyPr/>
+          <a:lstStyle/>
+          <a:p>
+            <a:r>
+              <a:rPr lang="en-US" dirty="0"/>
+              <a:t>Hello World (Motor)</a:t>
+            </a:r>
+          </a:p>
+        </p:txBody>
+      </p:sp>
+      <p:sp>
+        <p:nvSpPr>
+          <p:cNvPr id="16" name="Callout: Bent Line 15">
+            <a:extLst>
+              <a:ext uri="{FF2B5EF4-FFF2-40B4-BE49-F238E27FC236}">
+                <a16:creationId xmlns:a16="http://schemas.microsoft.com/office/drawing/2014/main" id="{1F4BD899-48C5-488D-8039-8963704A9216}"/>
+              </a:ext>
+            </a:extLst>
+          </p:cNvPr>
+          <p:cNvSpPr/>
+          <p:nvPr/>
+        </p:nvSpPr>
+        <p:spPr bwMode="auto">
+          <a:xfrm>
+            <a:off x="2051603" y="5533315"/>
+            <a:ext cx="900625" cy="624103"/>
+          </a:xfrm>
+          <a:prstGeom prst="borderCallout2">
+            <a:avLst>
+              <a:gd name="adj1" fmla="val 52300"/>
+              <a:gd name="adj2" fmla="val 104434"/>
+              <a:gd name="adj3" fmla="val 52299"/>
+              <a:gd name="adj4" fmla="val 123944"/>
+              <a:gd name="adj5" fmla="val -4276"/>
+              <a:gd name="adj6" fmla="val 151444"/>
+            </a:avLst>
+          </a:prstGeom>
+          <a:solidFill>
+            <a:schemeClr val="accent1"/>
+          </a:solidFill>
+          <a:ln>
+            <a:solidFill>
+              <a:srgbClr val="231F20"/>
+            </a:solidFill>
+            <a:headEnd type="none" w="med" len="med"/>
+            <a:tailEnd type="none" w="med" len="med"/>
+          </a:ln>
+          <a:effectLst/>
+        </p:spPr>
+        <p:style>
+          <a:lnRef idx="1">
+            <a:schemeClr val="accent2"/>
+          </a:lnRef>
+          <a:fillRef idx="3">
+            <a:schemeClr val="accent2"/>
+          </a:fillRef>
+          <a:effectRef idx="2">
+            <a:schemeClr val="accent2"/>
+          </a:effectRef>
+          <a:fontRef idx="minor">
+            <a:schemeClr val="lt1"/>
+          </a:fontRef>
+        </p:style>
+        <p:txBody>
+          <a:bodyPr rot="0" spcFirstLastPara="0" vertOverflow="overflow" horzOverflow="overflow" vert="horz" wrap="square" lIns="182880" tIns="146304" rIns="182880" bIns="146304" numCol="1" spcCol="0" rtlCol="0" fromWordArt="0" anchor="t" anchorCtr="0" forceAA="0" compatLnSpc="1">
+            <a:prstTxWarp prst="textNoShape">
+              <a:avLst/>
+            </a:prstTxWarp>
+            <a:noAutofit/>
+          </a:bodyPr>
+          <a:lstStyle/>
+          <a:p>
+            <a:pPr algn="ctr" defTabSz="932472" fontAlgn="base">
+              <a:lnSpc>
+                <a:spcPct val="90000"/>
+              </a:lnSpc>
+              <a:spcBef>
+                <a:spcPct val="0"/>
+              </a:spcBef>
+              <a:spcAft>
+                <a:spcPct val="0"/>
+              </a:spcAft>
+            </a:pPr>
+            <a:r>
+              <a:rPr lang="en-US" sz="2400" dirty="0">
+                <a:gradFill>
+                  <a:gsLst>
+                    <a:gs pos="0">
+                      <a:srgbClr val="FFFFFF"/>
+                    </a:gs>
+                    <a:gs pos="100000">
+                      <a:srgbClr val="FFFFFF"/>
+                    </a:gs>
+                  </a:gsLst>
+                  <a:lin ang="5400000" scaled="0"/>
+                </a:gradFill>
+                <a:ea typeface="Segoe UI" pitchFamily="34" charset="0"/>
+                <a:cs typeface="Segoe UI" pitchFamily="34" charset="0"/>
+              </a:rPr>
+              <a:t>5V</a:t>
+            </a:r>
+          </a:p>
+        </p:txBody>
+      </p:sp>
+      <p:sp>
+        <p:nvSpPr>
+          <p:cNvPr id="17" name="Callout: Bent Line 16">
+            <a:extLst>
+              <a:ext uri="{FF2B5EF4-FFF2-40B4-BE49-F238E27FC236}">
+                <a16:creationId xmlns:a16="http://schemas.microsoft.com/office/drawing/2014/main" id="{1AA410B9-DC69-4321-81FA-C9D419D311C0}"/>
+              </a:ext>
+            </a:extLst>
+          </p:cNvPr>
+          <p:cNvSpPr/>
+          <p:nvPr/>
+        </p:nvSpPr>
+        <p:spPr bwMode="auto">
+          <a:xfrm>
+            <a:off x="1800167" y="2129460"/>
+            <a:ext cx="1403498" cy="627321"/>
+          </a:xfrm>
+          <a:prstGeom prst="borderCallout2">
+            <a:avLst>
+              <a:gd name="adj1" fmla="val 54266"/>
+              <a:gd name="adj2" fmla="val 107129"/>
+              <a:gd name="adj3" fmla="val 64474"/>
+              <a:gd name="adj4" fmla="val 132334"/>
+              <a:gd name="adj5" fmla="val 243779"/>
+              <a:gd name="adj6" fmla="val 166798"/>
+            </a:avLst>
+          </a:prstGeom>
+          <a:solidFill>
+            <a:schemeClr val="accent1"/>
+          </a:solidFill>
+          <a:ln>
+            <a:solidFill>
+              <a:srgbClr val="231F20"/>
+            </a:solidFill>
+            <a:headEnd type="none" w="med" len="med"/>
+            <a:tailEnd type="none" w="med" len="med"/>
+          </a:ln>
+          <a:effectLst/>
+        </p:spPr>
+        <p:style>
+          <a:lnRef idx="1">
+            <a:schemeClr val="accent2"/>
+          </a:lnRef>
+          <a:fillRef idx="3">
+            <a:schemeClr val="accent2"/>
+          </a:fillRef>
+          <a:effectRef idx="2">
+            <a:schemeClr val="accent2"/>
+          </a:effectRef>
+          <a:fontRef idx="minor">
+            <a:schemeClr val="lt1"/>
+          </a:fontRef>
+        </p:style>
+        <p:txBody>
+          <a:bodyPr rot="0" spcFirstLastPara="0" vertOverflow="overflow" horzOverflow="overflow" vert="horz" wrap="square" lIns="182880" tIns="146304" rIns="182880" bIns="146304" numCol="1" spcCol="0" rtlCol="0" fromWordArt="0" anchor="t" anchorCtr="0" forceAA="0" compatLnSpc="1">
+            <a:prstTxWarp prst="textNoShape">
+              <a:avLst/>
+            </a:prstTxWarp>
+            <a:noAutofit/>
+          </a:bodyPr>
+          <a:lstStyle/>
+          <a:p>
+            <a:pPr algn="ctr" defTabSz="932472" fontAlgn="base">
+              <a:lnSpc>
+                <a:spcPct val="90000"/>
+              </a:lnSpc>
+              <a:spcBef>
+                <a:spcPct val="0"/>
+              </a:spcBef>
+              <a:spcAft>
+                <a:spcPct val="0"/>
+              </a:spcAft>
+            </a:pPr>
+            <a:r>
+              <a:rPr lang="en-US" sz="2400" dirty="0">
+                <a:gradFill>
+                  <a:gsLst>
+                    <a:gs pos="0">
+                      <a:srgbClr val="FFFFFF"/>
+                    </a:gs>
+                    <a:gs pos="100000">
+                      <a:srgbClr val="FFFFFF"/>
+                    </a:gs>
+                  </a:gsLst>
+                  <a:lin ang="5400000" scaled="0"/>
+                </a:gradFill>
+                <a:ea typeface="Segoe UI" pitchFamily="34" charset="0"/>
+                <a:cs typeface="Segoe UI" pitchFamily="34" charset="0"/>
+              </a:rPr>
+              <a:t>Ground</a:t>
+            </a:r>
+          </a:p>
+        </p:txBody>
+      </p:sp>
+      <p:sp>
+        <p:nvSpPr>
+          <p:cNvPr id="7" name="Callout: Bent Line 6">
+            <a:extLst>
+              <a:ext uri="{FF2B5EF4-FFF2-40B4-BE49-F238E27FC236}">
+                <a16:creationId xmlns:a16="http://schemas.microsoft.com/office/drawing/2014/main" id="{B4F015F5-F4CC-4C9A-BEFC-FEE5A38FF7DB}"/>
+              </a:ext>
+            </a:extLst>
+          </p:cNvPr>
+          <p:cNvSpPr/>
+          <p:nvPr/>
+        </p:nvSpPr>
+        <p:spPr bwMode="auto">
+          <a:xfrm>
+            <a:off x="8233665" y="5164918"/>
+            <a:ext cx="1527463" cy="633845"/>
+          </a:xfrm>
+          <a:prstGeom prst="borderCallout2">
+            <a:avLst>
+              <a:gd name="adj1" fmla="val 48258"/>
+              <a:gd name="adj2" fmla="val -6292"/>
+              <a:gd name="adj3" fmla="val 33504"/>
+              <a:gd name="adj4" fmla="val -68368"/>
+              <a:gd name="adj5" fmla="val 7583"/>
+              <a:gd name="adj6" fmla="val -82041"/>
+            </a:avLst>
+          </a:prstGeom>
+          <a:solidFill>
+            <a:schemeClr val="accent1"/>
+          </a:solidFill>
+          <a:ln>
+            <a:solidFill>
+              <a:srgbClr val="231F20"/>
+            </a:solidFill>
+            <a:headEnd type="none" w="med" len="med"/>
+            <a:tailEnd type="none" w="med" len="med"/>
+          </a:ln>
+          <a:effectLst/>
+        </p:spPr>
+        <p:style>
+          <a:lnRef idx="1">
+            <a:schemeClr val="accent2"/>
+          </a:lnRef>
+          <a:fillRef idx="3">
+            <a:schemeClr val="accent2"/>
+          </a:fillRef>
+          <a:effectRef idx="2">
+            <a:schemeClr val="accent2"/>
+          </a:effectRef>
+          <a:fontRef idx="minor">
+            <a:schemeClr val="lt1"/>
+          </a:fontRef>
+        </p:style>
+        <p:txBody>
+          <a:bodyPr rot="0" spcFirstLastPara="0" vertOverflow="overflow" horzOverflow="overflow" vert="horz" wrap="square" lIns="182880" tIns="146304" rIns="182880" bIns="146304" numCol="1" spcCol="0" rtlCol="0" fromWordArt="0" anchor="t" anchorCtr="0" forceAA="0" compatLnSpc="1">
+            <a:prstTxWarp prst="textNoShape">
+              <a:avLst/>
+            </a:prstTxWarp>
+            <a:noAutofit/>
+          </a:bodyPr>
+          <a:lstStyle/>
+          <a:p>
+            <a:pPr algn="ctr" defTabSz="932472" fontAlgn="base">
+              <a:lnSpc>
+                <a:spcPct val="90000"/>
+              </a:lnSpc>
+              <a:spcBef>
+                <a:spcPct val="0"/>
+              </a:spcBef>
+              <a:spcAft>
+                <a:spcPct val="0"/>
+              </a:spcAft>
+            </a:pPr>
+            <a:r>
+              <a:rPr lang="en-US" sz="2400" dirty="0">
+                <a:gradFill>
+                  <a:gsLst>
+                    <a:gs pos="0">
+                      <a:srgbClr val="FFFFFF"/>
+                    </a:gs>
+                    <a:gs pos="100000">
+                      <a:srgbClr val="FFFFFF"/>
+                    </a:gs>
+                  </a:gsLst>
+                  <a:lin ang="5400000" scaled="0"/>
+                </a:gradFill>
+                <a:ea typeface="Segoe UI" pitchFamily="34" charset="0"/>
+                <a:cs typeface="Segoe UI" pitchFamily="34" charset="0"/>
+              </a:rPr>
+              <a:t>GPIO 17</a:t>
+            </a:r>
+          </a:p>
+        </p:txBody>
+      </p:sp>
+    </p:spTree>
+    <p:extLst>
+      <p:ext uri="{BB962C8B-B14F-4D97-AF65-F5344CB8AC3E}">
+        <p14:creationId xmlns:p14="http://schemas.microsoft.com/office/powerpoint/2010/main" val="1356162611"/>
+      </p:ext>
+    </p:extLst>
+  </p:cSld>
+  <p:clrMapOvr>
+    <a:masterClrMapping/>
+  </p:clrMapOvr>
+  <p:transition>
+    <p:fade/>
+  </p:transition>
+</p:sld>
+</file>
+
+<file path=ppt/slides/slide5.xml><?xml version="1.0" encoding="utf-8"?>
+<p:sld xmlns:a="http://schemas.openxmlformats.org/drawingml/2006/main" xmlns:r="http://schemas.openxmlformats.org/officeDocument/2006/relationships" xmlns:p="http://schemas.openxmlformats.org/presentationml/2006/main">
+  <p:cSld>
+    <p:spTree>
+      <p:nvGrpSpPr>
+        <p:cNvPr id="1" name=""/>
+        <p:cNvGrpSpPr/>
+        <p:nvPr/>
+      </p:nvGrpSpPr>
+      <p:grpSpPr>
+        <a:xfrm>
+          <a:off x="0" y="0"/>
+          <a:ext cx="0" cy="0"/>
+          <a:chOff x="0" y="0"/>
+          <a:chExt cx="0" cy="0"/>
+        </a:xfrm>
+      </p:grpSpPr>
+      <p:sp>
+        <p:nvSpPr>
+          <p:cNvPr id="4" name="Title 3">
+            <a:extLst>
+              <a:ext uri="{FF2B5EF4-FFF2-40B4-BE49-F238E27FC236}">
+                <a16:creationId xmlns:a16="http://schemas.microsoft.com/office/drawing/2014/main" id="{EA26DA1F-BA35-48C8-A688-5FB509C731DD}"/>
+              </a:ext>
+            </a:extLst>
+          </p:cNvPr>
+          <p:cNvSpPr>
+            <a:spLocks noGrp="1"/>
+          </p:cNvSpPr>
+          <p:nvPr>
+            <p:ph type="title"/>
+          </p:nvPr>
+        </p:nvSpPr>
+        <p:spPr/>
+        <p:txBody>
+          <a:bodyPr/>
+          <a:lstStyle/>
+          <a:p>
+            <a:r>
+              <a:rPr lang="en-US" dirty="0"/>
+              <a:t>Push Button</a:t>
+            </a:r>
+          </a:p>
+        </p:txBody>
+      </p:sp>
+      <p:sp>
+        <p:nvSpPr>
+          <p:cNvPr id="17" name="Callout: Bent Line 16">
+            <a:extLst>
+              <a:ext uri="{FF2B5EF4-FFF2-40B4-BE49-F238E27FC236}">
+                <a16:creationId xmlns:a16="http://schemas.microsoft.com/office/drawing/2014/main" id="{1AA410B9-DC69-4321-81FA-C9D419D311C0}"/>
+              </a:ext>
+            </a:extLst>
+          </p:cNvPr>
+          <p:cNvSpPr/>
+          <p:nvPr/>
+        </p:nvSpPr>
+        <p:spPr bwMode="auto">
+          <a:xfrm>
+            <a:off x="2922386" y="5079500"/>
+            <a:ext cx="1403498" cy="627321"/>
+          </a:xfrm>
+          <a:prstGeom prst="borderCallout2">
+            <a:avLst>
+              <a:gd name="adj1" fmla="val 54266"/>
+              <a:gd name="adj2" fmla="val 107129"/>
+              <a:gd name="adj3" fmla="val 52879"/>
+              <a:gd name="adj4" fmla="val 123450"/>
+              <a:gd name="adj5" fmla="val -155412"/>
+              <a:gd name="adj6" fmla="val 151990"/>
+            </a:avLst>
+          </a:prstGeom>
+          <a:solidFill>
+            <a:schemeClr val="accent1"/>
+          </a:solidFill>
+          <a:ln>
+            <a:solidFill>
+              <a:srgbClr val="231F20"/>
+            </a:solidFill>
+            <a:headEnd type="none" w="med" len="med"/>
+            <a:tailEnd type="none" w="med" len="med"/>
+          </a:ln>
+          <a:effectLst/>
+        </p:spPr>
+        <p:style>
+          <a:lnRef idx="1">
+            <a:schemeClr val="accent2"/>
+          </a:lnRef>
+          <a:fillRef idx="3">
+            <a:schemeClr val="accent2"/>
+          </a:fillRef>
+          <a:effectRef idx="2">
+            <a:schemeClr val="accent2"/>
+          </a:effectRef>
+          <a:fontRef idx="minor">
+            <a:schemeClr val="lt1"/>
+          </a:fontRef>
+        </p:style>
+        <p:txBody>
+          <a:bodyPr rot="0" spcFirstLastPara="0" vertOverflow="overflow" horzOverflow="overflow" vert="horz" wrap="square" lIns="182880" tIns="146304" rIns="182880" bIns="146304" numCol="1" spcCol="0" rtlCol="0" fromWordArt="0" anchor="t" anchorCtr="0" forceAA="0" compatLnSpc="1">
+            <a:prstTxWarp prst="textNoShape">
+              <a:avLst/>
+            </a:prstTxWarp>
+            <a:noAutofit/>
+          </a:bodyPr>
+          <a:lstStyle/>
+          <a:p>
+            <a:pPr algn="ctr" defTabSz="932472" fontAlgn="base">
+              <a:lnSpc>
+                <a:spcPct val="90000"/>
+              </a:lnSpc>
+              <a:spcBef>
+                <a:spcPct val="0"/>
+              </a:spcBef>
+              <a:spcAft>
+                <a:spcPct val="0"/>
+              </a:spcAft>
+            </a:pPr>
+            <a:r>
+              <a:rPr lang="en-US" sz="2400" dirty="0">
+                <a:gradFill>
+                  <a:gsLst>
+                    <a:gs pos="0">
+                      <a:srgbClr val="FFFFFF"/>
+                    </a:gs>
+                    <a:gs pos="100000">
+                      <a:srgbClr val="FFFFFF"/>
+                    </a:gs>
+                  </a:gsLst>
+                  <a:lin ang="5400000" scaled="0"/>
+                </a:gradFill>
+                <a:ea typeface="Segoe UI" pitchFamily="34" charset="0"/>
+                <a:cs typeface="Segoe UI" pitchFamily="34" charset="0"/>
+              </a:rPr>
+              <a:t>3.3 V</a:t>
+            </a:r>
+          </a:p>
+        </p:txBody>
+      </p:sp>
+      <p:sp>
+        <p:nvSpPr>
+          <p:cNvPr id="7" name="Callout: Bent Line 6">
+            <a:extLst>
+              <a:ext uri="{FF2B5EF4-FFF2-40B4-BE49-F238E27FC236}">
+                <a16:creationId xmlns:a16="http://schemas.microsoft.com/office/drawing/2014/main" id="{B4F015F5-F4CC-4C9A-BEFC-FEE5A38FF7DB}"/>
+              </a:ext>
+            </a:extLst>
+          </p:cNvPr>
+          <p:cNvSpPr/>
+          <p:nvPr/>
+        </p:nvSpPr>
+        <p:spPr bwMode="auto">
+          <a:xfrm>
+            <a:off x="7142621" y="1044442"/>
+            <a:ext cx="1527463" cy="633845"/>
+          </a:xfrm>
+          <a:prstGeom prst="borderCallout2">
+            <a:avLst>
+              <a:gd name="adj1" fmla="val 48258"/>
+              <a:gd name="adj2" fmla="val -6292"/>
+              <a:gd name="adj3" fmla="val 49897"/>
+              <a:gd name="adj4" fmla="val -27552"/>
+              <a:gd name="adj5" fmla="val 201026"/>
+              <a:gd name="adj6" fmla="val -105851"/>
+            </a:avLst>
+          </a:prstGeom>
+          <a:solidFill>
+            <a:schemeClr val="accent1"/>
+          </a:solidFill>
+          <a:ln>
+            <a:solidFill>
+              <a:srgbClr val="231F20"/>
+            </a:solidFill>
+            <a:headEnd type="none" w="med" len="med"/>
+            <a:tailEnd type="none" w="med" len="med"/>
+          </a:ln>
+          <a:effectLst/>
+        </p:spPr>
+        <p:style>
+          <a:lnRef idx="1">
+            <a:schemeClr val="accent2"/>
+          </a:lnRef>
+          <a:fillRef idx="3">
+            <a:schemeClr val="accent2"/>
+          </a:fillRef>
+          <a:effectRef idx="2">
+            <a:schemeClr val="accent2"/>
+          </a:effectRef>
+          <a:fontRef idx="minor">
+            <a:schemeClr val="lt1"/>
+          </a:fontRef>
+        </p:style>
+        <p:txBody>
+          <a:bodyPr rot="0" spcFirstLastPara="0" vertOverflow="overflow" horzOverflow="overflow" vert="horz" wrap="square" lIns="182880" tIns="146304" rIns="182880" bIns="146304" numCol="1" spcCol="0" rtlCol="0" fromWordArt="0" anchor="t" anchorCtr="0" forceAA="0" compatLnSpc="1">
+            <a:prstTxWarp prst="textNoShape">
+              <a:avLst/>
+            </a:prstTxWarp>
+            <a:noAutofit/>
+          </a:bodyPr>
+          <a:lstStyle/>
+          <a:p>
+            <a:pPr algn="ctr" defTabSz="932472" fontAlgn="base">
+              <a:lnSpc>
+                <a:spcPct val="90000"/>
+              </a:lnSpc>
+              <a:spcBef>
+                <a:spcPct val="0"/>
+              </a:spcBef>
+              <a:spcAft>
+                <a:spcPct val="0"/>
+              </a:spcAft>
+            </a:pPr>
+            <a:r>
+              <a:rPr lang="en-US" sz="2400" dirty="0">
+                <a:gradFill>
+                  <a:gsLst>
+                    <a:gs pos="0">
+                      <a:srgbClr val="FFFFFF"/>
+                    </a:gs>
+                    <a:gs pos="100000">
+                      <a:srgbClr val="FFFFFF"/>
+                    </a:gs>
+                  </a:gsLst>
+                  <a:lin ang="5400000" scaled="0"/>
+                </a:gradFill>
+                <a:ea typeface="Segoe UI" pitchFamily="34" charset="0"/>
+                <a:cs typeface="Segoe UI" pitchFamily="34" charset="0"/>
+              </a:rPr>
+              <a:t>GPIO 20</a:t>
+            </a:r>
+          </a:p>
+        </p:txBody>
+      </p:sp>
+    </p:spTree>
+    <p:extLst>
+      <p:ext uri="{BB962C8B-B14F-4D97-AF65-F5344CB8AC3E}">
+        <p14:creationId xmlns:p14="http://schemas.microsoft.com/office/powerpoint/2010/main" val="1350292689"/>
+      </p:ext>
+    </p:extLst>
+  </p:cSld>
+  <p:clrMapOvr>
+    <a:masterClrMapping/>
+  </p:clrMapOvr>
+  <p:transition>
+    <p:fade/>
+  </p:transition>
+</p:sld>
+</file>
+
+<file path=ppt/slides/slide6.xml><?xml version="1.0" encoding="utf-8"?>
+<p:sld xmlns:a="http://schemas.openxmlformats.org/drawingml/2006/main" xmlns:r="http://schemas.openxmlformats.org/officeDocument/2006/relationships" xmlns:p="http://schemas.openxmlformats.org/presentationml/2006/main">
+  <p:cSld>
+    <p:spTree>
+      <p:nvGrpSpPr>
+        <p:cNvPr id="1" name=""/>
+        <p:cNvGrpSpPr/>
+        <p:nvPr/>
+      </p:nvGrpSpPr>
+      <p:grpSpPr>
+        <a:xfrm>
+          <a:off x="0" y="0"/>
+          <a:ext cx="0" cy="0"/>
+          <a:chOff x="0" y="0"/>
+          <a:chExt cx="0" cy="0"/>
+        </a:xfrm>
+      </p:grpSpPr>
+      <p:pic>
+        <p:nvPicPr>
+          <p:cNvPr id="3" name="Picture 2">
+            <a:extLst>
+              <a:ext uri="{FF2B5EF4-FFF2-40B4-BE49-F238E27FC236}">
+                <a16:creationId xmlns:a16="http://schemas.microsoft.com/office/drawing/2014/main" id="{8859FCC1-A5D1-408E-B94A-C8FBE1B65AE1}"/>
+              </a:ext>
+            </a:extLst>
+          </p:cNvPr>
+          <p:cNvPicPr>
+            <a:picLocks noChangeAspect="1"/>
+          </p:cNvPicPr>
+          <p:nvPr/>
+        </p:nvPicPr>
+        <p:blipFill>
+          <a:blip r:embed="rId3">
+            <a:extLst>
+              <a:ext uri="{28A0092B-C50C-407E-A947-70E740481C1C}">
+                <a14:useLocalDpi xmlns:a14="http://schemas.microsoft.com/office/drawing/2010/main" val="0"/>
+              </a:ext>
+            </a:extLst>
+          </a:blip>
+          <a:stretch>
+            <a:fillRect/>
+          </a:stretch>
+        </p:blipFill>
+        <p:spPr>
+          <a:xfrm>
+            <a:off x="1507720" y="1944107"/>
+            <a:ext cx="9452445" cy="3441352"/>
+          </a:xfrm>
+          <a:prstGeom prst="rect">
+            <a:avLst/>
+          </a:prstGeom>
+        </p:spPr>
+      </p:pic>
+      <p:sp>
+        <p:nvSpPr>
+          <p:cNvPr id="4" name="Title 3">
+            <a:extLst>
+              <a:ext uri="{FF2B5EF4-FFF2-40B4-BE49-F238E27FC236}">
+                <a16:creationId xmlns:a16="http://schemas.microsoft.com/office/drawing/2014/main" id="{EA26DA1F-BA35-48C8-A688-5FB509C731DD}"/>
+              </a:ext>
+            </a:extLst>
+          </p:cNvPr>
+          <p:cNvSpPr>
+            <a:spLocks noGrp="1"/>
+          </p:cNvSpPr>
+          <p:nvPr>
+            <p:ph type="title"/>
+          </p:nvPr>
+        </p:nvSpPr>
+        <p:spPr/>
+        <p:txBody>
+          <a:bodyPr/>
+          <a:lstStyle/>
+          <a:p>
+            <a:r>
+              <a:rPr lang="en-US" dirty="0"/>
+              <a:t>LED Array</a:t>
+            </a:r>
+          </a:p>
+        </p:txBody>
+      </p:sp>
+      <p:sp>
+        <p:nvSpPr>
+          <p:cNvPr id="17" name="Callout: Bent Line 16">
+            <a:extLst>
+              <a:ext uri="{FF2B5EF4-FFF2-40B4-BE49-F238E27FC236}">
+                <a16:creationId xmlns:a16="http://schemas.microsoft.com/office/drawing/2014/main" id="{1AA410B9-DC69-4321-81FA-C9D419D311C0}"/>
+              </a:ext>
+            </a:extLst>
+          </p:cNvPr>
+          <p:cNvSpPr/>
+          <p:nvPr/>
+        </p:nvSpPr>
+        <p:spPr bwMode="auto">
+          <a:xfrm>
+            <a:off x="1231835" y="5337618"/>
+            <a:ext cx="1403498" cy="627321"/>
+          </a:xfrm>
+          <a:prstGeom prst="borderCallout2">
+            <a:avLst>
+              <a:gd name="adj1" fmla="val 54266"/>
+              <a:gd name="adj2" fmla="val 107129"/>
+              <a:gd name="adj3" fmla="val 52879"/>
+              <a:gd name="adj4" fmla="val 123450"/>
+              <a:gd name="adj5" fmla="val -117315"/>
+              <a:gd name="adj6" fmla="val 149769"/>
+            </a:avLst>
+          </a:prstGeom>
+          <a:solidFill>
+            <a:schemeClr val="accent1"/>
+          </a:solidFill>
+          <a:ln>
+            <a:solidFill>
+              <a:srgbClr val="231F20"/>
+            </a:solidFill>
+            <a:headEnd type="none" w="med" len="med"/>
+            <a:tailEnd type="none" w="med" len="med"/>
+          </a:ln>
+          <a:effectLst/>
+        </p:spPr>
+        <p:style>
+          <a:lnRef idx="1">
+            <a:schemeClr val="accent2"/>
+          </a:lnRef>
+          <a:fillRef idx="3">
+            <a:schemeClr val="accent2"/>
+          </a:fillRef>
+          <a:effectRef idx="2">
+            <a:schemeClr val="accent2"/>
+          </a:effectRef>
+          <a:fontRef idx="minor">
+            <a:schemeClr val="lt1"/>
+          </a:fontRef>
+        </p:style>
+        <p:txBody>
+          <a:bodyPr rot="0" spcFirstLastPara="0" vertOverflow="overflow" horzOverflow="overflow" vert="horz" wrap="square" lIns="182880" tIns="146304" rIns="182880" bIns="146304" numCol="1" spcCol="0" rtlCol="0" fromWordArt="0" anchor="t" anchorCtr="0" forceAA="0" compatLnSpc="1">
+            <a:prstTxWarp prst="textNoShape">
+              <a:avLst/>
+            </a:prstTxWarp>
+            <a:noAutofit/>
+          </a:bodyPr>
+          <a:lstStyle/>
+          <a:p>
+            <a:pPr algn="ctr" defTabSz="932472" fontAlgn="base">
+              <a:lnSpc>
+                <a:spcPct val="90000"/>
+              </a:lnSpc>
+              <a:spcBef>
+                <a:spcPct val="0"/>
+              </a:spcBef>
+              <a:spcAft>
+                <a:spcPct val="0"/>
+              </a:spcAft>
+            </a:pPr>
+            <a:r>
+              <a:rPr lang="en-US" sz="2400" dirty="0">
+                <a:gradFill>
+                  <a:gsLst>
+                    <a:gs pos="0">
+                      <a:srgbClr val="FFFFFF"/>
+                    </a:gs>
+                    <a:gs pos="100000">
+                      <a:srgbClr val="FFFFFF"/>
+                    </a:gs>
+                  </a:gsLst>
+                  <a:lin ang="5400000" scaled="0"/>
+                </a:gradFill>
+                <a:ea typeface="Segoe UI" pitchFamily="34" charset="0"/>
+                <a:cs typeface="Segoe UI" pitchFamily="34" charset="0"/>
+              </a:rPr>
+              <a:t>3.3 V</a:t>
+            </a:r>
+          </a:p>
+        </p:txBody>
+      </p:sp>
+      <p:sp>
+        <p:nvSpPr>
+          <p:cNvPr id="7" name="Callout: Bent Line 6">
+            <a:extLst>
+              <a:ext uri="{FF2B5EF4-FFF2-40B4-BE49-F238E27FC236}">
+                <a16:creationId xmlns:a16="http://schemas.microsoft.com/office/drawing/2014/main" id="{B4F015F5-F4CC-4C9A-BEFC-FEE5A38FF7DB}"/>
+              </a:ext>
+            </a:extLst>
+          </p:cNvPr>
+          <p:cNvSpPr/>
+          <p:nvPr/>
+        </p:nvSpPr>
+        <p:spPr bwMode="auto">
+          <a:xfrm>
+            <a:off x="9844258" y="1249719"/>
+            <a:ext cx="1527463" cy="633845"/>
+          </a:xfrm>
+          <a:prstGeom prst="borderCallout2">
+            <a:avLst>
+              <a:gd name="adj1" fmla="val 48258"/>
+              <a:gd name="adj2" fmla="val -6292"/>
+              <a:gd name="adj3" fmla="val 49897"/>
+              <a:gd name="adj4" fmla="val -27552"/>
+              <a:gd name="adj5" fmla="val 201026"/>
+              <a:gd name="adj6" fmla="val -105851"/>
+            </a:avLst>
+          </a:prstGeom>
+          <a:solidFill>
+            <a:schemeClr val="accent1"/>
+          </a:solidFill>
+          <a:ln>
+            <a:solidFill>
+              <a:srgbClr val="231F20"/>
+            </a:solidFill>
+            <a:headEnd type="none" w="med" len="med"/>
+            <a:tailEnd type="none" w="med" len="med"/>
+          </a:ln>
+          <a:effectLst/>
+        </p:spPr>
+        <p:style>
+          <a:lnRef idx="1">
+            <a:schemeClr val="accent2"/>
+          </a:lnRef>
+          <a:fillRef idx="3">
+            <a:schemeClr val="accent2"/>
+          </a:fillRef>
+          <a:effectRef idx="2">
+            <a:schemeClr val="accent2"/>
+          </a:effectRef>
+          <a:fontRef idx="minor">
+            <a:schemeClr val="lt1"/>
+          </a:fontRef>
+        </p:style>
+        <p:txBody>
+          <a:bodyPr rot="0" spcFirstLastPara="0" vertOverflow="overflow" horzOverflow="overflow" vert="horz" wrap="square" lIns="182880" tIns="146304" rIns="182880" bIns="146304" numCol="1" spcCol="0" rtlCol="0" fromWordArt="0" anchor="t" anchorCtr="0" forceAA="0" compatLnSpc="1">
+            <a:prstTxWarp prst="textNoShape">
+              <a:avLst/>
+            </a:prstTxWarp>
+            <a:noAutofit/>
+          </a:bodyPr>
+          <a:lstStyle/>
+          <a:p>
+            <a:pPr algn="ctr" defTabSz="932472" fontAlgn="base">
+              <a:lnSpc>
+                <a:spcPct val="90000"/>
+              </a:lnSpc>
+              <a:spcBef>
+                <a:spcPct val="0"/>
+              </a:spcBef>
+              <a:spcAft>
+                <a:spcPct val="0"/>
+              </a:spcAft>
+            </a:pPr>
+            <a:r>
+              <a:rPr lang="en-US" sz="2400" dirty="0">
+                <a:gradFill>
+                  <a:gsLst>
+                    <a:gs pos="0">
+                      <a:srgbClr val="FFFFFF"/>
+                    </a:gs>
+                    <a:gs pos="100000">
+                      <a:srgbClr val="FFFFFF"/>
+                    </a:gs>
+                  </a:gsLst>
+                  <a:lin ang="5400000" scaled="0"/>
+                </a:gradFill>
+                <a:ea typeface="Segoe UI" pitchFamily="34" charset="0"/>
+                <a:cs typeface="Segoe UI" pitchFamily="34" charset="0"/>
+              </a:rPr>
+              <a:t>GPIO 21</a:t>
+            </a:r>
+          </a:p>
+        </p:txBody>
+      </p:sp>
+      <p:sp>
+        <p:nvSpPr>
+          <p:cNvPr id="8" name="Callout: Bent Line 7">
+            <a:extLst>
+              <a:ext uri="{FF2B5EF4-FFF2-40B4-BE49-F238E27FC236}">
+                <a16:creationId xmlns:a16="http://schemas.microsoft.com/office/drawing/2014/main" id="{08132C0E-3463-4A8D-A917-F296462CA5ED}"/>
+              </a:ext>
+            </a:extLst>
+          </p:cNvPr>
+          <p:cNvSpPr/>
+          <p:nvPr/>
+        </p:nvSpPr>
+        <p:spPr bwMode="auto">
+          <a:xfrm>
+            <a:off x="8728968" y="514150"/>
+            <a:ext cx="1527463" cy="633845"/>
+          </a:xfrm>
+          <a:prstGeom prst="borderCallout2">
+            <a:avLst>
+              <a:gd name="adj1" fmla="val 48258"/>
+              <a:gd name="adj2" fmla="val -6292"/>
+              <a:gd name="adj3" fmla="val 49897"/>
+              <a:gd name="adj4" fmla="val -27552"/>
+              <a:gd name="adj5" fmla="val 364960"/>
+              <a:gd name="adj6" fmla="val -92245"/>
+            </a:avLst>
+          </a:prstGeom>
+          <a:solidFill>
+            <a:schemeClr val="accent1"/>
+          </a:solidFill>
+          <a:ln>
+            <a:solidFill>
+              <a:srgbClr val="231F20"/>
+            </a:solidFill>
+            <a:headEnd type="none" w="med" len="med"/>
+            <a:tailEnd type="none" w="med" len="med"/>
+          </a:ln>
+          <a:effectLst/>
+        </p:spPr>
+        <p:style>
+          <a:lnRef idx="1">
+            <a:schemeClr val="accent2"/>
+          </a:lnRef>
+          <a:fillRef idx="3">
+            <a:schemeClr val="accent2"/>
+          </a:fillRef>
+          <a:effectRef idx="2">
+            <a:schemeClr val="accent2"/>
+          </a:effectRef>
+          <a:fontRef idx="minor">
+            <a:schemeClr val="lt1"/>
+          </a:fontRef>
+        </p:style>
+        <p:txBody>
+          <a:bodyPr rot="0" spcFirstLastPara="0" vertOverflow="overflow" horzOverflow="overflow" vert="horz" wrap="square" lIns="182880" tIns="146304" rIns="182880" bIns="146304" numCol="1" spcCol="0" rtlCol="0" fromWordArt="0" anchor="t" anchorCtr="0" forceAA="0" compatLnSpc="1">
+            <a:prstTxWarp prst="textNoShape">
+              <a:avLst/>
+            </a:prstTxWarp>
+            <a:noAutofit/>
+          </a:bodyPr>
+          <a:lstStyle/>
+          <a:p>
+            <a:pPr algn="ctr" defTabSz="932472" fontAlgn="base">
+              <a:lnSpc>
+                <a:spcPct val="90000"/>
+              </a:lnSpc>
+              <a:spcBef>
+                <a:spcPct val="0"/>
+              </a:spcBef>
+              <a:spcAft>
+                <a:spcPct val="0"/>
+              </a:spcAft>
+            </a:pPr>
+            <a:r>
+              <a:rPr lang="en-US" sz="2400" dirty="0">
+                <a:gradFill>
+                  <a:gsLst>
+                    <a:gs pos="0">
+                      <a:srgbClr val="FFFFFF"/>
+                    </a:gs>
+                    <a:gs pos="100000">
+                      <a:srgbClr val="FFFFFF"/>
+                    </a:gs>
+                  </a:gsLst>
+                  <a:lin ang="5400000" scaled="0"/>
+                </a:gradFill>
+                <a:ea typeface="Segoe UI" pitchFamily="34" charset="0"/>
+                <a:cs typeface="Segoe UI" pitchFamily="34" charset="0"/>
+              </a:rPr>
+              <a:t>GPIO 20</a:t>
+            </a:r>
+          </a:p>
+        </p:txBody>
+      </p:sp>
+      <p:sp>
+        <p:nvSpPr>
+          <p:cNvPr id="9" name="Callout: Bent Line 8">
+            <a:extLst>
+              <a:ext uri="{FF2B5EF4-FFF2-40B4-BE49-F238E27FC236}">
+                <a16:creationId xmlns:a16="http://schemas.microsoft.com/office/drawing/2014/main" id="{71F86B20-A588-4688-893A-6083602B53DF}"/>
+              </a:ext>
+            </a:extLst>
+          </p:cNvPr>
+          <p:cNvSpPr/>
+          <p:nvPr/>
+        </p:nvSpPr>
+        <p:spPr bwMode="auto">
+          <a:xfrm>
+            <a:off x="6307886" y="5129079"/>
+            <a:ext cx="1527463" cy="633845"/>
+          </a:xfrm>
+          <a:prstGeom prst="borderCallout2">
+            <a:avLst>
+              <a:gd name="adj1" fmla="val 48258"/>
+              <a:gd name="adj2" fmla="val -6292"/>
+              <a:gd name="adj3" fmla="val 49897"/>
+              <a:gd name="adj4" fmla="val -27552"/>
+              <a:gd name="adj5" fmla="val -220286"/>
+              <a:gd name="adj6" fmla="val -41225"/>
+            </a:avLst>
+          </a:prstGeom>
+          <a:solidFill>
+            <a:schemeClr val="accent1"/>
+          </a:solidFill>
+          <a:ln>
+            <a:solidFill>
+              <a:srgbClr val="231F20"/>
+            </a:solidFill>
+            <a:headEnd type="none" w="med" len="med"/>
+            <a:tailEnd type="none" w="med" len="med"/>
+          </a:ln>
+          <a:effectLst/>
+        </p:spPr>
+        <p:style>
+          <a:lnRef idx="1">
+            <a:schemeClr val="accent2"/>
+          </a:lnRef>
+          <a:fillRef idx="3">
+            <a:schemeClr val="accent2"/>
+          </a:fillRef>
+          <a:effectRef idx="2">
+            <a:schemeClr val="accent2"/>
+          </a:effectRef>
+          <a:fontRef idx="minor">
+            <a:schemeClr val="lt1"/>
+          </a:fontRef>
+        </p:style>
+        <p:txBody>
+          <a:bodyPr rot="0" spcFirstLastPara="0" vertOverflow="overflow" horzOverflow="overflow" vert="horz" wrap="square" lIns="182880" tIns="146304" rIns="182880" bIns="146304" numCol="1" spcCol="0" rtlCol="0" fromWordArt="0" anchor="t" anchorCtr="0" forceAA="0" compatLnSpc="1">
+            <a:prstTxWarp prst="textNoShape">
+              <a:avLst/>
+            </a:prstTxWarp>
+            <a:noAutofit/>
+          </a:bodyPr>
+          <a:lstStyle/>
+          <a:p>
+            <a:pPr algn="ctr" defTabSz="932472" fontAlgn="base">
+              <a:lnSpc>
+                <a:spcPct val="90000"/>
+              </a:lnSpc>
+              <a:spcBef>
+                <a:spcPct val="0"/>
+              </a:spcBef>
+              <a:spcAft>
+                <a:spcPct val="0"/>
+              </a:spcAft>
+            </a:pPr>
+            <a:r>
+              <a:rPr lang="en-US" sz="2400" dirty="0">
+                <a:gradFill>
+                  <a:gsLst>
+                    <a:gs pos="0">
+                      <a:srgbClr val="FFFFFF"/>
+                    </a:gs>
+                    <a:gs pos="100000">
+                      <a:srgbClr val="FFFFFF"/>
+                    </a:gs>
+                  </a:gsLst>
+                  <a:lin ang="5400000" scaled="0"/>
+                </a:gradFill>
+                <a:ea typeface="Segoe UI" pitchFamily="34" charset="0"/>
+                <a:cs typeface="Segoe UI" pitchFamily="34" charset="0"/>
+              </a:rPr>
+              <a:t>GPIO 16</a:t>
+            </a:r>
+          </a:p>
+        </p:txBody>
+      </p:sp>
+    </p:spTree>
+    <p:extLst>
+      <p:ext uri="{BB962C8B-B14F-4D97-AF65-F5344CB8AC3E}">
+        <p14:creationId xmlns:p14="http://schemas.microsoft.com/office/powerpoint/2010/main" val="2811042212"/>
+      </p:ext>
+    </p:extLst>
+  </p:cSld>
+  <p:clrMapOvr>
+    <a:masterClrMapping/>
+  </p:clrMapOvr>
+  <p:transition>
+    <p:fade/>
+  </p:transition>
+</p:sld>
+</file>
+
+<file path=ppt/slides/slide7.xml><?xml version="1.0" encoding="utf-8"?>
 <p:sld xmlns:a="http://schemas.openxmlformats.org/drawingml/2006/main" xmlns:r="http://schemas.openxmlformats.org/officeDocument/2006/relationships" xmlns:p="http://schemas.openxmlformats.org/presentationml/2006/main">
   <p:cSld>
     <p:spTree>
@@ -7869,7 +9450,7 @@
 </p:sld>
 </file>
 
-<file path=ppt/slides/slide5.xml><?xml version="1.0" encoding="utf-8"?>
+<file path=ppt/slides/slide8.xml><?xml version="1.0" encoding="utf-8"?>
 <p:sld xmlns:a="http://schemas.openxmlformats.org/drawingml/2006/main" xmlns:r="http://schemas.openxmlformats.org/officeDocument/2006/relationships" xmlns:p="http://schemas.openxmlformats.org/presentationml/2006/main">
   <p:cSld>
     <p:spTree>
@@ -7939,7 +9520,7 @@
 </p:sld>
 </file>
 
-<file path=ppt/slides/slide6.xml><?xml version="1.0" encoding="utf-8"?>
+<file path=ppt/slides/slide9.xml><?xml version="1.0" encoding="utf-8"?>
 <p:sld xmlns:a="http://schemas.openxmlformats.org/drawingml/2006/main" xmlns:r="http://schemas.openxmlformats.org/officeDocument/2006/relationships" xmlns:p="http://schemas.openxmlformats.org/presentationml/2006/main">
   <p:cSld>
     <p:spTree>
@@ -7978,9 +9559,10 @@
           <a:lstStyle/>
           <a:p>
             <a:r>
-              <a:rPr lang="en-US" dirty="0"/>
-              <a:t>Code Sample Title</a:t>
+              <a:rPr lang="en-US"/>
+              <a:t>Hello World (LED)</a:t>
             </a:r>
+            <a:endParaRPr lang="en-US" dirty="0"/>
           </a:p>
         </p:txBody>
       </p:sp>
@@ -8598,21 +10180,12 @@
 </file>
 
 <file path=customXml/item1.xml><?xml version="1.0" encoding="utf-8"?>
-<p:properties xmlns:p="http://schemas.microsoft.com/office/2006/metadata/properties" xmlns:xsi="http://www.w3.org/2001/XMLSchema-instance" xmlns:pc="http://schemas.microsoft.com/office/infopath/2007/PartnerControls">
-  <documentManagement>
-    <_ip_UnifiedCompliancePolicyProperties xmlns="http://schemas.microsoft.com/sharepoint/v3" xsi:nil="true"/>
-    <_ip_UnifiedCompliancePolicyUIAction xmlns="http://schemas.microsoft.com/sharepoint/v3" xsi:nil="true"/>
-    <LastSharedByUser xmlns="11245976-3b4d-4794-a754-317688483df2">jogallow@microsoft.com</LastSharedByUser>
-    <SharedWithUsers xmlns="11245976-3b4d-4794-a754-317688483df2">
-      <UserInfo>
-        <DisplayName>Martin Woodward</DisplayName>
-        <AccountId>67</AccountId>
-        <AccountType/>
-      </UserInfo>
-    </SharedWithUsers>
-    <LastSharedByTime xmlns="11245976-3b4d-4794-a754-317688483df2">2018-03-16T04:12:59+00:00</LastSharedByTime>
-  </documentManagement>
-</p:properties>
+<?mso-contentType ?>
+<FormTemplates xmlns="http://schemas.microsoft.com/sharepoint/v3/contenttype/forms">
+  <Display>DocumentLibraryForm</Display>
+  <Edit>DocumentLibraryForm</Edit>
+  <New>DocumentLibraryForm</New>
+</FormTemplates>
 </file>
 
 <file path=customXml/item2.xml><?xml version="1.0" encoding="utf-8"?>
@@ -8830,28 +10403,27 @@
 </file>
 
 <file path=customXml/item3.xml><?xml version="1.0" encoding="utf-8"?>
-<?mso-contentType ?>
-<FormTemplates xmlns="http://schemas.microsoft.com/sharepoint/v3/contenttype/forms">
-  <Display>DocumentLibraryForm</Display>
-  <Edit>DocumentLibraryForm</Edit>
-  <New>DocumentLibraryForm</New>
-</FormTemplates>
+<p:properties xmlns:p="http://schemas.microsoft.com/office/2006/metadata/properties" xmlns:xsi="http://www.w3.org/2001/XMLSchema-instance" xmlns:pc="http://schemas.microsoft.com/office/infopath/2007/PartnerControls">
+  <documentManagement>
+    <_ip_UnifiedCompliancePolicyProperties xmlns="http://schemas.microsoft.com/sharepoint/v3" xsi:nil="true"/>
+    <_ip_UnifiedCompliancePolicyUIAction xmlns="http://schemas.microsoft.com/sharepoint/v3" xsi:nil="true"/>
+    <LastSharedByUser xmlns="11245976-3b4d-4794-a754-317688483df2">jogallow@microsoft.com</LastSharedByUser>
+    <SharedWithUsers xmlns="11245976-3b4d-4794-a754-317688483df2">
+      <UserInfo>
+        <DisplayName>Martin Woodward</DisplayName>
+        <AccountId>67</AccountId>
+        <AccountType/>
+      </UserInfo>
+    </SharedWithUsers>
+    <LastSharedByTime xmlns="11245976-3b4d-4794-a754-317688483df2">2018-03-16T04:12:59+00:00</LastSharedByTime>
+  </documentManagement>
+</p:properties>
 </file>
 
 <file path=customXml/itemProps1.xml><?xml version="1.0" encoding="utf-8"?>
-<ds:datastoreItem xmlns:ds="http://schemas.openxmlformats.org/officeDocument/2006/customXml" ds:itemID="{D23E43D6-DB2F-4C33-A8C8-D28F777A5DE7}">
+<ds:datastoreItem xmlns:ds="http://schemas.openxmlformats.org/officeDocument/2006/customXml" ds:itemID="{093821A7-5528-48BE-BD00-067FBFDD28D5}">
   <ds:schemaRefs>
-    <ds:schemaRef ds:uri="http://schemas.microsoft.com/office/infopath/2007/PartnerControls"/>
-    <ds:schemaRef ds:uri="http://purl.org/dc/elements/1.1/"/>
-    <ds:schemaRef ds:uri="http://schemas.microsoft.com/office/2006/metadata/properties"/>
-    <ds:schemaRef ds:uri="http://schemas.microsoft.com/sharepoint/v3"/>
-    <ds:schemaRef ds:uri="http://purl.org/dc/terms/"/>
-    <ds:schemaRef ds:uri="http://schemas.openxmlformats.org/package/2006/metadata/core-properties"/>
-    <ds:schemaRef ds:uri="11245976-3b4d-4794-a754-317688483df2"/>
-    <ds:schemaRef ds:uri="http://schemas.microsoft.com/office/2006/documentManagement/types"/>
-    <ds:schemaRef ds:uri="569b343d-e775-480b-9b2b-6a6986deb9b0"/>
-    <ds:schemaRef ds:uri="http://www.w3.org/XML/1998/namespace"/>
-    <ds:schemaRef ds:uri="http://purl.org/dc/dcmitype/"/>
+    <ds:schemaRef ds:uri="http://schemas.microsoft.com/sharepoint/v3/contenttype/forms"/>
   </ds:schemaRefs>
 </ds:datastoreItem>
 </file>
@@ -8877,9 +10449,19 @@
 </file>
 
 <file path=customXml/itemProps3.xml><?xml version="1.0" encoding="utf-8"?>
-<ds:datastoreItem xmlns:ds="http://schemas.openxmlformats.org/officeDocument/2006/customXml" ds:itemID="{093821A7-5528-48BE-BD00-067FBFDD28D5}">
+<ds:datastoreItem xmlns:ds="http://schemas.openxmlformats.org/officeDocument/2006/customXml" ds:itemID="{D23E43D6-DB2F-4C33-A8C8-D28F777A5DE7}">
   <ds:schemaRefs>
-    <ds:schemaRef ds:uri="http://schemas.microsoft.com/sharepoint/v3/contenttype/forms"/>
+    <ds:schemaRef ds:uri="http://schemas.microsoft.com/office/2006/documentManagement/types"/>
+    <ds:schemaRef ds:uri="http://schemas.microsoft.com/office/infopath/2007/PartnerControls"/>
+    <ds:schemaRef ds:uri="http://purl.org/dc/elements/1.1/"/>
+    <ds:schemaRef ds:uri="http://schemas.microsoft.com/office/2006/metadata/properties"/>
+    <ds:schemaRef ds:uri="http://schemas.openxmlformats.org/package/2006/metadata/core-properties"/>
+    <ds:schemaRef ds:uri="http://www.w3.org/XML/1998/namespace"/>
+    <ds:schemaRef ds:uri="http://purl.org/dc/terms/"/>
+    <ds:schemaRef ds:uri="11245976-3b4d-4794-a754-317688483df2"/>
+    <ds:schemaRef ds:uri="569b343d-e775-480b-9b2b-6a6986deb9b0"/>
+    <ds:schemaRef ds:uri="http://schemas.microsoft.com/sharepoint/v3"/>
+    <ds:schemaRef ds:uri="http://purl.org/dc/dcmitype/"/>
   </ds:schemaRefs>
 </ds:datastoreItem>
 </file>
--- a/Slides/Have Your Pi and Eat It Too.pptx
+++ b/Slides/Have Your Pi and Eat It Too.pptx
@@ -5,18 +5,19 @@
     <p:sldMasterId id="2147483715" r:id="rId4"/>
   </p:sldMasterIdLst>
   <p:notesMasterIdLst>
-    <p:notesMasterId r:id="rId14"/>
+    <p:notesMasterId r:id="rId15"/>
   </p:notesMasterIdLst>
   <p:sldIdLst>
     <p:sldId id="256" r:id="rId5"/>
     <p:sldId id="257" r:id="rId6"/>
     <p:sldId id="263" r:id="rId7"/>
     <p:sldId id="264" r:id="rId8"/>
-    <p:sldId id="265" r:id="rId9"/>
-    <p:sldId id="266" r:id="rId10"/>
-    <p:sldId id="260" r:id="rId11"/>
-    <p:sldId id="261" r:id="rId12"/>
-    <p:sldId id="262" r:id="rId13"/>
+    <p:sldId id="269" r:id="rId9"/>
+    <p:sldId id="265" r:id="rId10"/>
+    <p:sldId id="266" r:id="rId11"/>
+    <p:sldId id="260" r:id="rId12"/>
+    <p:sldId id="261" r:id="rId13"/>
+    <p:sldId id="262" r:id="rId14"/>
   </p:sldIdLst>
   <p:sldSz cx="12192000" cy="6858000"/>
   <p:notesSz cx="6858000" cy="9144000"/>
@@ -124,6 +125,7 @@
             <p14:sldId id="257"/>
             <p14:sldId id="263"/>
             <p14:sldId id="264"/>
+            <p14:sldId id="269"/>
             <p14:sldId id="265"/>
             <p14:sldId id="266"/>
             <p14:sldId id="260"/>
@@ -694,6 +696,383 @@
 </pc:chgInfo>
 </file>
 
+<file path=ppt/ink/ink1.xml><?xml version="1.0" encoding="utf-8"?>
+<inkml:ink xmlns:inkml="http://www.w3.org/2003/InkML">
+  <inkml:definitions>
+    <inkml:context xml:id="ctx0">
+      <inkml:inkSource xml:id="inkSrc0">
+        <inkml:traceFormat>
+          <inkml:channel name="X" type="integer" min="-2.14748E9" max="2.14748E9" units="cm"/>
+          <inkml:channel name="Y" type="integer" min="-2.14748E9" max="2.14748E9" units="cm"/>
+        </inkml:traceFormat>
+        <inkml:channelProperties>
+          <inkml:channelProperty channel="X" name="resolution" value="1000" units="1/cm"/>
+          <inkml:channelProperty channel="Y" name="resolution" value="1000" units="1/cm"/>
+        </inkml:channelProperties>
+      </inkml:inkSource>
+      <inkml:timestamp xml:id="ts0" timeString="2018-09-11T21:29:32.769"/>
+    </inkml:context>
+    <inkml:brush xml:id="br0">
+      <inkml:brushProperty name="width" value="0.3" units="cm"/>
+      <inkml:brushProperty name="height" value="0.6" units="cm"/>
+      <inkml:brushProperty name="color" value="#FFFC00"/>
+      <inkml:brushProperty name="tip" value="rectangle"/>
+      <inkml:brushProperty name="rasterOp" value="maskPen"/>
+      <inkml:brushProperty name="ignorePressure" value="1"/>
+    </inkml:brush>
+  </inkml:definitions>
+  <inkml:trace contextRef="#ctx0" brushRef="#br0">0 0</inkml:trace>
+</inkml:ink>
+</file>
+
+<file path=ppt/ink/ink10.xml><?xml version="1.0" encoding="utf-8"?>
+<inkml:ink xmlns:inkml="http://www.w3.org/2003/InkML">
+  <inkml:definitions>
+    <inkml:context xml:id="ctx0">
+      <inkml:inkSource xml:id="inkSrc0">
+        <inkml:traceFormat>
+          <inkml:channel name="X" type="integer" min="-2.14748E9" max="2.14748E9" units="cm"/>
+          <inkml:channel name="Y" type="integer" min="-2.14748E9" max="2.14748E9" units="cm"/>
+        </inkml:traceFormat>
+        <inkml:channelProperties>
+          <inkml:channelProperty channel="X" name="resolution" value="1000" units="1/cm"/>
+          <inkml:channelProperty channel="Y" name="resolution" value="1000" units="1/cm"/>
+        </inkml:channelProperties>
+      </inkml:inkSource>
+      <inkml:timestamp xml:id="ts0" timeString="2018-09-11T21:43:59.370"/>
+    </inkml:context>
+    <inkml:brush xml:id="br0">
+      <inkml:brushProperty name="width" value="0.3" units="cm"/>
+      <inkml:brushProperty name="height" value="0.6" units="cm"/>
+      <inkml:brushProperty name="color" value="#FFFC00"/>
+      <inkml:brushProperty name="tip" value="rectangle"/>
+      <inkml:brushProperty name="rasterOp" value="maskPen"/>
+      <inkml:brushProperty name="ignorePressure" value="1"/>
+    </inkml:brush>
+  </inkml:definitions>
+  <inkml:trace contextRef="#ctx0" brushRef="#br0">0 0,'1892'1568,"-1875"-1554</inkml:trace>
+</inkml:ink>
+</file>
+
+<file path=ppt/ink/ink11.xml><?xml version="1.0" encoding="utf-8"?>
+<inkml:ink xmlns:inkml="http://www.w3.org/2003/InkML">
+  <inkml:definitions>
+    <inkml:context xml:id="ctx0">
+      <inkml:inkSource xml:id="inkSrc0">
+        <inkml:traceFormat>
+          <inkml:channel name="X" type="integer" min="-2.14748E9" max="2.14748E9" units="cm"/>
+          <inkml:channel name="Y" type="integer" min="-2.14748E9" max="2.14748E9" units="cm"/>
+        </inkml:traceFormat>
+        <inkml:channelProperties>
+          <inkml:channelProperty channel="X" name="resolution" value="1000" units="1/cm"/>
+          <inkml:channelProperty channel="Y" name="resolution" value="1000" units="1/cm"/>
+        </inkml:channelProperties>
+      </inkml:inkSource>
+      <inkml:timestamp xml:id="ts0" timeString="2018-09-11T21:44:19.264"/>
+    </inkml:context>
+    <inkml:brush xml:id="br0">
+      <inkml:brushProperty name="width" value="0.3" units="cm"/>
+      <inkml:brushProperty name="height" value="0.6" units="cm"/>
+      <inkml:brushProperty name="color" value="#FFFC00"/>
+      <inkml:brushProperty name="tip" value="rectangle"/>
+      <inkml:brushProperty name="rasterOp" value="maskPen"/>
+      <inkml:brushProperty name="ignorePressure" value="1"/>
+    </inkml:brush>
+  </inkml:definitions>
+  <inkml:trace contextRef="#ctx0" brushRef="#br0">2192 1,'-2179'2256,"2166"-2243</inkml:trace>
+</inkml:ink>
+</file>
+
+<file path=ppt/ink/ink12.xml><?xml version="1.0" encoding="utf-8"?>
+<inkml:ink xmlns:inkml="http://www.w3.org/2003/InkML">
+  <inkml:definitions>
+    <inkml:context xml:id="ctx0">
+      <inkml:inkSource xml:id="inkSrc0">
+        <inkml:traceFormat>
+          <inkml:channel name="X" type="integer" min="-2.14748E9" max="2.14748E9" units="cm"/>
+          <inkml:channel name="Y" type="integer" min="-2.14748E9" max="2.14748E9" units="cm"/>
+        </inkml:traceFormat>
+        <inkml:channelProperties>
+          <inkml:channelProperty channel="X" name="resolution" value="1000" units="1/cm"/>
+          <inkml:channelProperty channel="Y" name="resolution" value="1000" units="1/cm"/>
+        </inkml:channelProperties>
+      </inkml:inkSource>
+      <inkml:timestamp xml:id="ts0" timeString="2018-09-11T21:44:57.533"/>
+    </inkml:context>
+    <inkml:brush xml:id="br0">
+      <inkml:brushProperty name="width" value="0.3" units="cm"/>
+      <inkml:brushProperty name="height" value="0.6" units="cm"/>
+      <inkml:brushProperty name="color" value="#FFFC00"/>
+      <inkml:brushProperty name="tip" value="rectangle"/>
+      <inkml:brushProperty name="rasterOp" value="maskPen"/>
+      <inkml:brushProperty name="ignorePressure" value="1"/>
+    </inkml:brush>
+  </inkml:definitions>
+  <inkml:trace contextRef="#ctx0" brushRef="#br0">1 4493,'5168'-4493,"-5289"4598,111-96</inkml:trace>
+</inkml:ink>
+</file>
+
+<file path=ppt/ink/ink13.xml><?xml version="1.0" encoding="utf-8"?>
+<inkml:ink xmlns:inkml="http://www.w3.org/2003/InkML">
+  <inkml:definitions>
+    <inkml:context xml:id="ctx0">
+      <inkml:inkSource xml:id="inkSrc0">
+        <inkml:traceFormat>
+          <inkml:channel name="X" type="integer" min="-2.14748E9" max="2.14748E9" units="cm"/>
+          <inkml:channel name="Y" type="integer" min="-2.14748E9" max="2.14748E9" units="cm"/>
+        </inkml:traceFormat>
+        <inkml:channelProperties>
+          <inkml:channelProperty channel="X" name="resolution" value="1000" units="1/cm"/>
+          <inkml:channelProperty channel="Y" name="resolution" value="1000" units="1/cm"/>
+        </inkml:channelProperties>
+      </inkml:inkSource>
+      <inkml:timestamp xml:id="ts0" timeString="2018-09-11T21:45:43.264"/>
+    </inkml:context>
+    <inkml:brush xml:id="br0">
+      <inkml:brushProperty name="width" value="0.3" units="cm"/>
+      <inkml:brushProperty name="height" value="0.6" units="cm"/>
+      <inkml:brushProperty name="color" value="#FFFC00"/>
+      <inkml:brushProperty name="tip" value="rectangle"/>
+      <inkml:brushProperty name="rasterOp" value="maskPen"/>
+      <inkml:brushProperty name="ignorePressure" value="1"/>
+    </inkml:brush>
+  </inkml:definitions>
+  <inkml:trace contextRef="#ctx0" brushRef="#br0">0 1,'3718'3717,"-3701"-3699</inkml:trace>
+</inkml:ink>
+</file>
+
+<file path=ppt/ink/ink2.xml><?xml version="1.0" encoding="utf-8"?>
+<inkml:ink xmlns:inkml="http://www.w3.org/2003/InkML">
+  <inkml:definitions>
+    <inkml:context xml:id="ctx0">
+      <inkml:inkSource xml:id="inkSrc0">
+        <inkml:traceFormat>
+          <inkml:channel name="X" type="integer" min="-2.14748E9" max="2.14748E9" units="cm"/>
+          <inkml:channel name="Y" type="integer" min="-2.14748E9" max="2.14748E9" units="cm"/>
+        </inkml:traceFormat>
+        <inkml:channelProperties>
+          <inkml:channelProperty channel="X" name="resolution" value="1000" units="1/cm"/>
+          <inkml:channelProperty channel="Y" name="resolution" value="1000" units="1/cm"/>
+        </inkml:channelProperties>
+      </inkml:inkSource>
+      <inkml:timestamp xml:id="ts0" timeString="2018-09-11T21:31:46.917"/>
+    </inkml:context>
+    <inkml:brush xml:id="br0">
+      <inkml:brushProperty name="width" value="0.3" units="cm"/>
+      <inkml:brushProperty name="height" value="0.6" units="cm"/>
+      <inkml:brushProperty name="color" value="#FFFC00"/>
+      <inkml:brushProperty name="tip" value="rectangle"/>
+      <inkml:brushProperty name="rasterOp" value="maskPen"/>
+      <inkml:brushProperty name="ignorePressure" value="1"/>
+    </inkml:brush>
+  </inkml:definitions>
+  <inkml:trace contextRef="#ctx0" brushRef="#br0">1 5969,'7379'-5959,"-7367"5949</inkml:trace>
+</inkml:ink>
+</file>
+
+<file path=ppt/ink/ink3.xml><?xml version="1.0" encoding="utf-8"?>
+<inkml:ink xmlns:inkml="http://www.w3.org/2003/InkML">
+  <inkml:definitions>
+    <inkml:context xml:id="ctx0">
+      <inkml:inkSource xml:id="inkSrc0">
+        <inkml:traceFormat>
+          <inkml:channel name="X" type="integer" min="-2.14748E9" max="2.14748E9" units="cm"/>
+          <inkml:channel name="Y" type="integer" min="-2.14748E9" max="2.14748E9" units="cm"/>
+        </inkml:traceFormat>
+        <inkml:channelProperties>
+          <inkml:channelProperty channel="X" name="resolution" value="1000" units="1/cm"/>
+          <inkml:channelProperty channel="Y" name="resolution" value="1000" units="1/cm"/>
+        </inkml:channelProperties>
+      </inkml:inkSource>
+      <inkml:timestamp xml:id="ts0" timeString="2018-09-11T21:32:54.281"/>
+    </inkml:context>
+    <inkml:brush xml:id="br0">
+      <inkml:brushProperty name="width" value="0.3" units="cm"/>
+      <inkml:brushProperty name="height" value="0.6" units="cm"/>
+      <inkml:brushProperty name="color" value="#FFFC00"/>
+      <inkml:brushProperty name="tip" value="rectangle"/>
+      <inkml:brushProperty name="rasterOp" value="maskPen"/>
+      <inkml:brushProperty name="ignorePressure" value="1"/>
+    </inkml:brush>
+  </inkml:definitions>
+  <inkml:trace contextRef="#ctx0" brushRef="#br0">0 1,'3519'1566,"-3486"-1551</inkml:trace>
+</inkml:ink>
+</file>
+
+<file path=ppt/ink/ink4.xml><?xml version="1.0" encoding="utf-8"?>
+<inkml:ink xmlns:inkml="http://www.w3.org/2003/InkML">
+  <inkml:definitions>
+    <inkml:context xml:id="ctx0">
+      <inkml:inkSource xml:id="inkSrc0">
+        <inkml:traceFormat>
+          <inkml:channel name="X" type="integer" min="-2.14748E9" max="2.14748E9" units="cm"/>
+          <inkml:channel name="Y" type="integer" min="-2.14748E9" max="2.14748E9" units="cm"/>
+        </inkml:traceFormat>
+        <inkml:channelProperties>
+          <inkml:channelProperty channel="X" name="resolution" value="1000" units="1/cm"/>
+          <inkml:channelProperty channel="Y" name="resolution" value="1000" units="1/cm"/>
+        </inkml:channelProperties>
+      </inkml:inkSource>
+      <inkml:timestamp xml:id="ts0" timeString="2018-09-11T21:33:16.226"/>
+    </inkml:context>
+    <inkml:brush xml:id="br0">
+      <inkml:brushProperty name="width" value="0.3" units="cm"/>
+      <inkml:brushProperty name="height" value="0.6" units="cm"/>
+      <inkml:brushProperty name="color" value="#FFFC00"/>
+      <inkml:brushProperty name="tip" value="rectangle"/>
+      <inkml:brushProperty name="rasterOp" value="maskPen"/>
+      <inkml:brushProperty name="ignorePressure" value="1"/>
+    </inkml:brush>
+  </inkml:definitions>
+  <inkml:trace contextRef="#ctx0" brushRef="#br0">0 0,'0'4547,"0"-4518</inkml:trace>
+</inkml:ink>
+</file>
+
+<file path=ppt/ink/ink5.xml><?xml version="1.0" encoding="utf-8"?>
+<inkml:ink xmlns:inkml="http://www.w3.org/2003/InkML">
+  <inkml:definitions>
+    <inkml:context xml:id="ctx0">
+      <inkml:inkSource xml:id="inkSrc0">
+        <inkml:traceFormat>
+          <inkml:channel name="X" type="integer" min="-2.14748E9" max="2.14748E9" units="cm"/>
+          <inkml:channel name="Y" type="integer" min="-2.14748E9" max="2.14748E9" units="cm"/>
+        </inkml:traceFormat>
+        <inkml:channelProperties>
+          <inkml:channelProperty channel="X" name="resolution" value="1000" units="1/cm"/>
+          <inkml:channelProperty channel="Y" name="resolution" value="1000" units="1/cm"/>
+        </inkml:channelProperties>
+      </inkml:inkSource>
+      <inkml:timestamp xml:id="ts0" timeString="2018-09-11T21:33:27.179"/>
+    </inkml:context>
+    <inkml:brush xml:id="br0">
+      <inkml:brushProperty name="width" value="0.3" units="cm"/>
+      <inkml:brushProperty name="height" value="0.6" units="cm"/>
+      <inkml:brushProperty name="color" value="#FFFC00"/>
+      <inkml:brushProperty name="tip" value="rectangle"/>
+      <inkml:brushProperty name="rasterOp" value="maskPen"/>
+      <inkml:brushProperty name="ignorePressure" value="1"/>
+    </inkml:brush>
+  </inkml:definitions>
+  <inkml:trace contextRef="#ctx0" brushRef="#br0">1 0,'0'3764,"0"-3737</inkml:trace>
+</inkml:ink>
+</file>
+
+<file path=ppt/ink/ink6.xml><?xml version="1.0" encoding="utf-8"?>
+<inkml:ink xmlns:inkml="http://www.w3.org/2003/InkML">
+  <inkml:definitions>
+    <inkml:context xml:id="ctx0">
+      <inkml:inkSource xml:id="inkSrc0">
+        <inkml:traceFormat>
+          <inkml:channel name="X" type="integer" min="-2.14748E9" max="2.14748E9" units="cm"/>
+          <inkml:channel name="Y" type="integer" min="-2.14748E9" max="2.14748E9" units="cm"/>
+        </inkml:traceFormat>
+        <inkml:channelProperties>
+          <inkml:channelProperty channel="X" name="resolution" value="1000" units="1/cm"/>
+          <inkml:channelProperty channel="Y" name="resolution" value="1000" units="1/cm"/>
+        </inkml:channelProperties>
+      </inkml:inkSource>
+      <inkml:timestamp xml:id="ts0" timeString="2018-09-11T21:33:50.433"/>
+    </inkml:context>
+    <inkml:brush xml:id="br0">
+      <inkml:brushProperty name="width" value="0.3" units="cm"/>
+      <inkml:brushProperty name="height" value="0.6" units="cm"/>
+      <inkml:brushProperty name="color" value="#FFFC00"/>
+      <inkml:brushProperty name="tip" value="rectangle"/>
+      <inkml:brushProperty name="rasterOp" value="maskPen"/>
+      <inkml:brushProperty name="ignorePressure" value="1"/>
+    </inkml:brush>
+  </inkml:definitions>
+  <inkml:trace contextRef="#ctx0" brushRef="#br0">3553 0,'-3536'1649,"3519"-1641</inkml:trace>
+</inkml:ink>
+</file>
+
+<file path=ppt/ink/ink7.xml><?xml version="1.0" encoding="utf-8"?>
+<inkml:ink xmlns:inkml="http://www.w3.org/2003/InkML">
+  <inkml:definitions>
+    <inkml:context xml:id="ctx0">
+      <inkml:inkSource xml:id="inkSrc0">
+        <inkml:traceFormat>
+          <inkml:channel name="X" type="integer" min="-2.14748E9" max="2.14748E9" units="cm"/>
+          <inkml:channel name="Y" type="integer" min="-2.14748E9" max="2.14748E9" units="cm"/>
+        </inkml:traceFormat>
+        <inkml:channelProperties>
+          <inkml:channelProperty channel="X" name="resolution" value="1000" units="1/cm"/>
+          <inkml:channelProperty channel="Y" name="resolution" value="1000" units="1/cm"/>
+        </inkml:channelProperties>
+      </inkml:inkSource>
+      <inkml:timestamp xml:id="ts0" timeString="2018-09-11T21:34:23.481"/>
+    </inkml:context>
+    <inkml:brush xml:id="br0">
+      <inkml:brushProperty name="width" value="0.3" units="cm"/>
+      <inkml:brushProperty name="height" value="0.6" units="cm"/>
+      <inkml:brushProperty name="color" value="#FFFC00"/>
+      <inkml:brushProperty name="tip" value="rectangle"/>
+      <inkml:brushProperty name="rasterOp" value="maskPen"/>
+      <inkml:brushProperty name="ignorePressure" value="1"/>
+    </inkml:brush>
+  </inkml:definitions>
+  <inkml:trace contextRef="#ctx0" brushRef="#br0">5031 0,'-5009'4355,"4987"-4337</inkml:trace>
+</inkml:ink>
+</file>
+
+<file path=ppt/ink/ink8.xml><?xml version="1.0" encoding="utf-8"?>
+<inkml:ink xmlns:inkml="http://www.w3.org/2003/InkML">
+  <inkml:definitions>
+    <inkml:context xml:id="ctx0">
+      <inkml:inkSource xml:id="inkSrc0">
+        <inkml:traceFormat>
+          <inkml:channel name="X" type="integer" min="-2.14748E9" max="2.14748E9" units="cm"/>
+          <inkml:channel name="Y" type="integer" min="-2.14748E9" max="2.14748E9" units="cm"/>
+        </inkml:traceFormat>
+        <inkml:channelProperties>
+          <inkml:channelProperty channel="X" name="resolution" value="1000" units="1/cm"/>
+          <inkml:channelProperty channel="Y" name="resolution" value="1000" units="1/cm"/>
+        </inkml:channelProperties>
+      </inkml:inkSource>
+      <inkml:timestamp xml:id="ts0" timeString="2018-09-11T21:34:49.579"/>
+    </inkml:context>
+    <inkml:brush xml:id="br0">
+      <inkml:brushProperty name="width" value="0.3" units="cm"/>
+      <inkml:brushProperty name="height" value="0.6" units="cm"/>
+      <inkml:brushProperty name="color" value="#FFFC00"/>
+      <inkml:brushProperty name="tip" value="rectangle"/>
+      <inkml:brushProperty name="rasterOp" value="maskPen"/>
+      <inkml:brushProperty name="ignorePressure" value="1"/>
+    </inkml:brush>
+  </inkml:definitions>
+  <inkml:trace contextRef="#ctx0" brushRef="#br0">0 0,'3827'3446,"-3808"-3429</inkml:trace>
+</inkml:ink>
+</file>
+
+<file path=ppt/ink/ink9.xml><?xml version="1.0" encoding="utf-8"?>
+<inkml:ink xmlns:inkml="http://www.w3.org/2003/InkML">
+  <inkml:definitions>
+    <inkml:context xml:id="ctx0">
+      <inkml:inkSource xml:id="inkSrc0">
+        <inkml:traceFormat>
+          <inkml:channel name="X" type="integer" min="-2.14748E9" max="2.14748E9" units="cm"/>
+          <inkml:channel name="Y" type="integer" min="-2.14748E9" max="2.14748E9" units="cm"/>
+        </inkml:traceFormat>
+        <inkml:channelProperties>
+          <inkml:channelProperty channel="X" name="resolution" value="1000" units="1/cm"/>
+          <inkml:channelProperty channel="Y" name="resolution" value="1000" units="1/cm"/>
+        </inkml:channelProperties>
+      </inkml:inkSource>
+      <inkml:timestamp xml:id="ts0" timeString="2018-09-11T21:36:20.516"/>
+    </inkml:context>
+    <inkml:brush xml:id="br0">
+      <inkml:brushProperty name="width" value="0.3" units="cm"/>
+      <inkml:brushProperty name="height" value="0.6" units="cm"/>
+      <inkml:brushProperty name="color" value="#FFFC00"/>
+      <inkml:brushProperty name="tip" value="rectangle"/>
+      <inkml:brushProperty name="rasterOp" value="maskPen"/>
+      <inkml:brushProperty name="ignorePressure" value="1"/>
+    </inkml:brush>
+  </inkml:definitions>
+  <inkml:trace contextRef="#ctx0" brushRef="#br0">1 298,'1486'-289,"-1442"281</inkml:trace>
+</inkml:ink>
+</file>
+
 <file path=ppt/notesMasters/notesMaster1.xml><?xml version="1.0" encoding="utf-8"?>
 <p:notesMaster xmlns:a="http://schemas.openxmlformats.org/drawingml/2006/main" xmlns:r="http://schemas.openxmlformats.org/officeDocument/2006/relationships" xmlns:p="http://schemas.openxmlformats.org/presentationml/2006/main">
   <p:cSld>
@@ -1127,6 +1506,90 @@
 </p:notes>
 </file>
 
+<file path=ppt/notesSlides/notesSlide10.xml><?xml version="1.0" encoding="utf-8"?>
+<p:notes xmlns:a="http://schemas.openxmlformats.org/drawingml/2006/main" xmlns:r="http://schemas.openxmlformats.org/officeDocument/2006/relationships" xmlns:p="http://schemas.openxmlformats.org/presentationml/2006/main">
+  <p:cSld>
+    <p:spTree>
+      <p:nvGrpSpPr>
+        <p:cNvPr id="1" name=""/>
+        <p:cNvGrpSpPr/>
+        <p:nvPr/>
+      </p:nvGrpSpPr>
+      <p:grpSpPr>
+        <a:xfrm>
+          <a:off x="0" y="0"/>
+          <a:ext cx="0" cy="0"/>
+          <a:chOff x="0" y="0"/>
+          <a:chExt cx="0" cy="0"/>
+        </a:xfrm>
+      </p:grpSpPr>
+      <p:sp>
+        <p:nvSpPr>
+          <p:cNvPr id="2" name="Slide Image Placeholder 1"/>
+          <p:cNvSpPr>
+            <a:spLocks noGrp="1" noRot="1" noChangeAspect="1"/>
+          </p:cNvSpPr>
+          <p:nvPr>
+            <p:ph type="sldImg"/>
+          </p:nvPr>
+        </p:nvSpPr>
+        <p:spPr/>
+      </p:sp>
+      <p:sp>
+        <p:nvSpPr>
+          <p:cNvPr id="3" name="Notes Placeholder 2"/>
+          <p:cNvSpPr>
+            <a:spLocks noGrp="1"/>
+          </p:cNvSpPr>
+          <p:nvPr>
+            <p:ph type="body" idx="1"/>
+          </p:nvPr>
+        </p:nvSpPr>
+        <p:spPr/>
+        <p:txBody>
+          <a:bodyPr/>
+          <a:lstStyle/>
+          <a:p>
+            <a:endParaRPr lang="en-US" dirty="0"/>
+          </a:p>
+        </p:txBody>
+      </p:sp>
+      <p:sp>
+        <p:nvSpPr>
+          <p:cNvPr id="4" name="Slide Number Placeholder 3"/>
+          <p:cNvSpPr>
+            <a:spLocks noGrp="1"/>
+          </p:cNvSpPr>
+          <p:nvPr>
+            <p:ph type="sldNum" sz="quarter" idx="10"/>
+          </p:nvPr>
+        </p:nvSpPr>
+        <p:spPr/>
+        <p:txBody>
+          <a:bodyPr/>
+          <a:lstStyle/>
+          <a:p>
+            <a:fld id="{E0AE778D-2A57-4226-B72B-26EA3CA60131}" type="slidenum">
+              <a:rPr lang="en-US" smtClean="0"/>
+              <a:t>10</a:t>
+            </a:fld>
+            <a:endParaRPr lang="en-US"/>
+          </a:p>
+        </p:txBody>
+      </p:sp>
+    </p:spTree>
+    <p:extLst>
+      <p:ext uri="{BB962C8B-B14F-4D97-AF65-F5344CB8AC3E}">
+        <p14:creationId xmlns:p14="http://schemas.microsoft.com/office/powerpoint/2010/main" val="2779868397"/>
+      </p:ext>
+    </p:extLst>
+  </p:cSld>
+  <p:clrMapOvr>
+    <a:masterClrMapping/>
+  </p:clrMapOvr>
+</p:notes>
+</file>
+
 <file path=ppt/notesSlides/notesSlide2.xml><?xml version="1.0" encoding="utf-8"?>
 <p:notes xmlns:a="http://schemas.openxmlformats.org/drawingml/2006/main" xmlns:r="http://schemas.openxmlformats.org/officeDocument/2006/relationships" xmlns:p="http://schemas.openxmlformats.org/presentationml/2006/main">
   <p:cSld>
@@ -1423,7 +1886,7 @@
           <a:bodyPr/>
           <a:lstStyle/>
           <a:p>
-            <a:endParaRPr lang="en-US"/>
+            <a:endParaRPr lang="en-US" dirty="0"/>
           </a:p>
         </p:txBody>
       </p:sp>
@@ -1453,7 +1916,7 @@
     </p:spTree>
     <p:extLst>
       <p:ext uri="{BB962C8B-B14F-4D97-AF65-F5344CB8AC3E}">
-        <p14:creationId xmlns:p14="http://schemas.microsoft.com/office/powerpoint/2010/main" val="793167999"/>
+        <p14:creationId xmlns:p14="http://schemas.microsoft.com/office/powerpoint/2010/main" val="3173338031"/>
       </p:ext>
     </p:extLst>
   </p:cSld>
@@ -1537,7 +2000,7 @@
     </p:spTree>
     <p:extLst>
       <p:ext uri="{BB962C8B-B14F-4D97-AF65-F5344CB8AC3E}">
-        <p14:creationId xmlns:p14="http://schemas.microsoft.com/office/powerpoint/2010/main" val="1983703086"/>
+        <p14:creationId xmlns:p14="http://schemas.microsoft.com/office/powerpoint/2010/main" val="793167999"/>
       </p:ext>
     </p:extLst>
   </p:cSld>
@@ -1621,7 +2084,7 @@
     </p:spTree>
     <p:extLst>
       <p:ext uri="{BB962C8B-B14F-4D97-AF65-F5344CB8AC3E}">
-        <p14:creationId xmlns:p14="http://schemas.microsoft.com/office/powerpoint/2010/main" val="1182493613"/>
+        <p14:creationId xmlns:p14="http://schemas.microsoft.com/office/powerpoint/2010/main" val="1983703086"/>
       </p:ext>
     </p:extLst>
   </p:cSld>
@@ -1705,7 +2168,7 @@
     </p:spTree>
     <p:extLst>
       <p:ext uri="{BB962C8B-B14F-4D97-AF65-F5344CB8AC3E}">
-        <p14:creationId xmlns:p14="http://schemas.microsoft.com/office/powerpoint/2010/main" val="1117941490"/>
+        <p14:creationId xmlns:p14="http://schemas.microsoft.com/office/powerpoint/2010/main" val="1182493613"/>
       </p:ext>
     </p:extLst>
   </p:cSld>
@@ -1759,7 +2222,7 @@
           <a:bodyPr/>
           <a:lstStyle/>
           <a:p>
-            <a:endParaRPr lang="en-US" dirty="0"/>
+            <a:endParaRPr lang="en-US"/>
           </a:p>
         </p:txBody>
       </p:sp>
@@ -1789,7 +2252,7 @@
     </p:spTree>
     <p:extLst>
       <p:ext uri="{BB962C8B-B14F-4D97-AF65-F5344CB8AC3E}">
-        <p14:creationId xmlns:p14="http://schemas.microsoft.com/office/powerpoint/2010/main" val="2779868397"/>
+        <p14:creationId xmlns:p14="http://schemas.microsoft.com/office/powerpoint/2010/main" val="1117941490"/>
       </p:ext>
     </p:extLst>
   </p:cSld>
@@ -7891,6 +8354,68 @@
 </p:sld>
 </file>
 
+<file path=ppt/slides/slide10.xml><?xml version="1.0" encoding="utf-8"?>
+<p:sld xmlns:a="http://schemas.openxmlformats.org/drawingml/2006/main" xmlns:r="http://schemas.openxmlformats.org/officeDocument/2006/relationships" xmlns:p="http://schemas.openxmlformats.org/presentationml/2006/main">
+  <p:cSld>
+    <p:spTree>
+      <p:nvGrpSpPr>
+        <p:cNvPr id="1" name=""/>
+        <p:cNvGrpSpPr/>
+        <p:nvPr/>
+      </p:nvGrpSpPr>
+      <p:grpSpPr>
+        <a:xfrm>
+          <a:off x="0" y="0"/>
+          <a:ext cx="0" cy="0"/>
+          <a:chOff x="0" y="0"/>
+          <a:chExt cx="0" cy="0"/>
+        </a:xfrm>
+      </p:grpSpPr>
+      <p:sp>
+        <p:nvSpPr>
+          <p:cNvPr id="2" name="Title 1">
+            <a:extLst>
+              <a:ext uri="{FF2B5EF4-FFF2-40B4-BE49-F238E27FC236}">
+                <a16:creationId xmlns:a16="http://schemas.microsoft.com/office/drawing/2014/main" id="{584AA7D0-2347-4019-A2A1-9874E0010DE0}"/>
+              </a:ext>
+            </a:extLst>
+          </p:cNvPr>
+          <p:cNvSpPr>
+            <a:spLocks noGrp="1"/>
+          </p:cNvSpPr>
+          <p:nvPr>
+            <p:ph type="title"/>
+          </p:nvPr>
+        </p:nvSpPr>
+        <p:spPr/>
+        <p:txBody>
+          <a:bodyPr/>
+          <a:lstStyle/>
+          <a:p>
+            <a:r>
+              <a:rPr lang="en-US"/>
+              <a:t>Hello World (LED)</a:t>
+            </a:r>
+            <a:endParaRPr lang="en-US" dirty="0"/>
+          </a:p>
+        </p:txBody>
+      </p:sp>
+    </p:spTree>
+    <p:extLst>
+      <p:ext uri="{BB962C8B-B14F-4D97-AF65-F5344CB8AC3E}">
+        <p14:creationId xmlns:p14="http://schemas.microsoft.com/office/powerpoint/2010/main" val="1725036062"/>
+      </p:ext>
+    </p:extLst>
+  </p:cSld>
+  <p:clrMapOvr>
+    <a:masterClrMapping/>
+  </p:clrMapOvr>
+  <p:transition>
+    <p:fade/>
+  </p:transition>
+</p:sld>
+</file>
+
 <file path=ppt/slides/slide2.xml><?xml version="1.0" encoding="utf-8"?>
 <p:sld xmlns:a="http://schemas.openxmlformats.org/drawingml/2006/main" xmlns:r="http://schemas.openxmlformats.org/officeDocument/2006/relationships" xmlns:p="http://schemas.openxmlformats.org/presentationml/2006/main">
   <p:cSld>
@@ -7970,17 +8495,97 @@
           <a:p>
             <a:r>
               <a:rPr lang="en-US" dirty="0"/>
-              <a:t>Senior Content Developer</a:t>
+              <a:t>Microsoft</a:t>
             </a:r>
           </a:p>
           <a:p>
             <a:r>
               <a:rPr lang="en-US" dirty="0"/>
-              <a:t>Microsoft</a:t>
+              <a:t>     @CamSoper         </a:t>
             </a:r>
+            <a:r>
+              <a:rPr lang="en-US" dirty="0" err="1"/>
+              <a:t>CamSoper</a:t>
+            </a:r>
+            <a:endParaRPr lang="en-US" dirty="0"/>
+          </a:p>
+          <a:p>
+            <a:endParaRPr lang="en-US" dirty="0"/>
           </a:p>
         </p:txBody>
       </p:sp>
+      <p:pic>
+        <p:nvPicPr>
+          <p:cNvPr id="6" name="Picture 5">
+            <a:extLst>
+              <a:ext uri="{FF2B5EF4-FFF2-40B4-BE49-F238E27FC236}">
+                <a16:creationId xmlns:a16="http://schemas.microsoft.com/office/drawing/2014/main" id="{DAF8086B-2303-4345-B21F-9216CB124302}"/>
+              </a:ext>
+            </a:extLst>
+          </p:cNvPr>
+          <p:cNvPicPr>
+            <a:picLocks noChangeAspect="1"/>
+          </p:cNvPicPr>
+          <p:nvPr/>
+        </p:nvPicPr>
+        <p:blipFill>
+          <a:blip r:embed="rId3">
+            <a:extLst>
+              <a:ext uri="{28A0092B-C50C-407E-A947-70E740481C1C}">
+                <a14:useLocalDpi xmlns:a14="http://schemas.microsoft.com/office/drawing/2010/main" val="0"/>
+              </a:ext>
+            </a:extLst>
+          </a:blip>
+          <a:stretch>
+            <a:fillRect/>
+          </a:stretch>
+        </p:blipFill>
+        <p:spPr>
+          <a:xfrm>
+            <a:off x="665365" y="4569726"/>
+            <a:ext cx="630033" cy="630033"/>
+          </a:xfrm>
+          <a:prstGeom prst="rect">
+            <a:avLst/>
+          </a:prstGeom>
+        </p:spPr>
+      </p:pic>
+      <p:pic>
+        <p:nvPicPr>
+          <p:cNvPr id="10" name="Picture 9">
+            <a:extLst>
+              <a:ext uri="{FF2B5EF4-FFF2-40B4-BE49-F238E27FC236}">
+                <a16:creationId xmlns:a16="http://schemas.microsoft.com/office/drawing/2014/main" id="{44686BC9-4C92-4ABC-970B-B4DC7F25C61D}"/>
+              </a:ext>
+            </a:extLst>
+          </p:cNvPr>
+          <p:cNvPicPr>
+            <a:picLocks noChangeAspect="1"/>
+          </p:cNvPicPr>
+          <p:nvPr/>
+        </p:nvPicPr>
+        <p:blipFill>
+          <a:blip r:embed="rId4">
+            <a:extLst>
+              <a:ext uri="{28A0092B-C50C-407E-A947-70E740481C1C}">
+                <a14:useLocalDpi xmlns:a14="http://schemas.microsoft.com/office/drawing/2010/main" val="0"/>
+              </a:ext>
+            </a:extLst>
+          </a:blip>
+          <a:stretch>
+            <a:fillRect/>
+          </a:stretch>
+        </p:blipFill>
+        <p:spPr>
+          <a:xfrm>
+            <a:off x="3753555" y="4626121"/>
+            <a:ext cx="630033" cy="523715"/>
+          </a:xfrm>
+          <a:prstGeom prst="rect">
+            <a:avLst/>
+          </a:prstGeom>
+        </p:spPr>
+      </p:pic>
     </p:spTree>
     <p:extLst>
       <p:ext uri="{BB962C8B-B14F-4D97-AF65-F5344CB8AC3E}">
@@ -8687,6 +9292,1252 @@
           <a:chExt cx="0" cy="0"/>
         </a:xfrm>
       </p:grpSpPr>
+      <p:pic>
+        <p:nvPicPr>
+          <p:cNvPr id="17" name="Picture 16">
+            <a:extLst>
+              <a:ext uri="{FF2B5EF4-FFF2-40B4-BE49-F238E27FC236}">
+                <a16:creationId xmlns:a16="http://schemas.microsoft.com/office/drawing/2014/main" id="{D105C65B-FE6E-4AF8-BC3E-78BA2B0A760E}"/>
+              </a:ext>
+            </a:extLst>
+          </p:cNvPr>
+          <p:cNvPicPr>
+            <a:picLocks noChangeAspect="1"/>
+          </p:cNvPicPr>
+          <p:nvPr/>
+        </p:nvPicPr>
+        <p:blipFill>
+          <a:blip r:embed="rId3">
+            <a:extLst>
+              <a:ext uri="{28A0092B-C50C-407E-A947-70E740481C1C}">
+                <a14:useLocalDpi xmlns:a14="http://schemas.microsoft.com/office/drawing/2010/main" val="0"/>
+              </a:ext>
+            </a:extLst>
+          </a:blip>
+          <a:stretch>
+            <a:fillRect/>
+          </a:stretch>
+        </p:blipFill>
+        <p:spPr>
+          <a:xfrm>
+            <a:off x="714579" y="1484195"/>
+            <a:ext cx="10762842" cy="4887713"/>
+          </a:xfrm>
+          <a:prstGeom prst="rect">
+            <a:avLst/>
+          </a:prstGeom>
+        </p:spPr>
+      </p:pic>
+      <p:sp>
+        <p:nvSpPr>
+          <p:cNvPr id="4" name="Title 3">
+            <a:extLst>
+              <a:ext uri="{FF2B5EF4-FFF2-40B4-BE49-F238E27FC236}">
+                <a16:creationId xmlns:a16="http://schemas.microsoft.com/office/drawing/2014/main" id="{EA26DA1F-BA35-48C8-A688-5FB509C731DD}"/>
+              </a:ext>
+            </a:extLst>
+          </p:cNvPr>
+          <p:cNvSpPr>
+            <a:spLocks noGrp="1"/>
+          </p:cNvSpPr>
+          <p:nvPr>
+            <p:ph type="title"/>
+          </p:nvPr>
+        </p:nvSpPr>
+        <p:spPr/>
+        <p:txBody>
+          <a:bodyPr/>
+          <a:lstStyle/>
+          <a:p>
+            <a:r>
+              <a:rPr lang="en-US" dirty="0"/>
+              <a:t>Reversible Motor</a:t>
+            </a:r>
+          </a:p>
+        </p:txBody>
+      </p:sp>
+      <mc:AlternateContent xmlns:mc="http://schemas.openxmlformats.org/markup-compatibility/2006">
+        <mc:Choice xmlns:p14="http://schemas.microsoft.com/office/powerpoint/2010/main" Requires="p14">
+          <p:contentPart p14:bwMode="auto" r:id="rId4">
+            <p14:nvContentPartPr>
+              <p14:cNvPr id="8" name="Ink 7">
+                <a:extLst>
+                  <a:ext uri="{FF2B5EF4-FFF2-40B4-BE49-F238E27FC236}">
+                    <a16:creationId xmlns:a16="http://schemas.microsoft.com/office/drawing/2014/main" id="{46CDBFCB-3E0B-41B8-928C-8DFA73C731A1}"/>
+                  </a:ext>
+                </a:extLst>
+              </p14:cNvPr>
+              <p14:cNvContentPartPr/>
+              <p14:nvPr/>
+            </p14:nvContentPartPr>
+            <p14:xfrm>
+              <a:off x="812671" y="-169724"/>
+              <a:ext cx="360" cy="360"/>
+            </p14:xfrm>
+          </p:contentPart>
+        </mc:Choice>
+        <mc:Fallback>
+          <p:pic>
+            <p:nvPicPr>
+              <p:cNvPr id="8" name="Ink 7">
+                <a:extLst>
+                  <a:ext uri="{FF2B5EF4-FFF2-40B4-BE49-F238E27FC236}">
+                    <a16:creationId xmlns:a16="http://schemas.microsoft.com/office/drawing/2014/main" id="{46CDBFCB-3E0B-41B8-928C-8DFA73C731A1}"/>
+                  </a:ext>
+                </a:extLst>
+              </p:cNvPr>
+              <p:cNvPicPr/>
+              <p:nvPr/>
+            </p:nvPicPr>
+            <p:blipFill>
+              <a:blip r:embed="rId5"/>
+              <a:stretch>
+                <a:fillRect/>
+              </a:stretch>
+            </p:blipFill>
+            <p:spPr>
+              <a:xfrm>
+                <a:off x="758671" y="-277724"/>
+                <a:ext cx="108000" cy="216000"/>
+              </a:xfrm>
+              <a:prstGeom prst="rect">
+                <a:avLst/>
+              </a:prstGeom>
+            </p:spPr>
+          </p:pic>
+        </mc:Fallback>
+      </mc:AlternateContent>
+      <mc:AlternateContent xmlns:mc="http://schemas.openxmlformats.org/markup-compatibility/2006">
+        <mc:Choice xmlns:p14="http://schemas.microsoft.com/office/powerpoint/2010/main" Requires="p14">
+          <p:contentPart p14:bwMode="auto" r:id="rId6">
+            <p14:nvContentPartPr>
+              <p14:cNvPr id="10" name="Ink 9">
+                <a:extLst>
+                  <a:ext uri="{FF2B5EF4-FFF2-40B4-BE49-F238E27FC236}">
+                    <a16:creationId xmlns:a16="http://schemas.microsoft.com/office/drawing/2014/main" id="{ADE470E0-5D78-4C93-9FA8-407F0C47410A}"/>
+                  </a:ext>
+                </a:extLst>
+              </p14:cNvPr>
+              <p14:cNvContentPartPr/>
+              <p14:nvPr/>
+            </p14:nvContentPartPr>
+            <p14:xfrm>
+              <a:off x="4581671" y="1980062"/>
+              <a:ext cx="2661320" cy="2148840"/>
+            </p14:xfrm>
+          </p:contentPart>
+        </mc:Choice>
+        <mc:Fallback>
+          <p:pic>
+            <p:nvPicPr>
+              <p:cNvPr id="10" name="Ink 9">
+                <a:extLst>
+                  <a:ext uri="{FF2B5EF4-FFF2-40B4-BE49-F238E27FC236}">
+                    <a16:creationId xmlns:a16="http://schemas.microsoft.com/office/drawing/2014/main" id="{ADE470E0-5D78-4C93-9FA8-407F0C47410A}"/>
+                  </a:ext>
+                </a:extLst>
+              </p:cNvPr>
+              <p:cNvPicPr/>
+              <p:nvPr/>
+            </p:nvPicPr>
+            <p:blipFill>
+              <a:blip r:embed="rId7"/>
+              <a:stretch>
+                <a:fillRect/>
+              </a:stretch>
+            </p:blipFill>
+            <p:spPr>
+              <a:xfrm>
+                <a:off x="4528034" y="1872062"/>
+                <a:ext cx="2768954" cy="2364480"/>
+              </a:xfrm>
+              <a:prstGeom prst="rect">
+                <a:avLst/>
+              </a:prstGeom>
+            </p:spPr>
+          </p:pic>
+        </mc:Fallback>
+      </mc:AlternateContent>
+      <mc:AlternateContent xmlns:mc="http://schemas.openxmlformats.org/markup-compatibility/2006">
+        <mc:Choice xmlns:p14="http://schemas.microsoft.com/office/powerpoint/2010/main" Requires="p14">
+          <p:contentPart p14:bwMode="auto" r:id="rId8">
+            <p14:nvContentPartPr>
+              <p14:cNvPr id="12" name="Ink 11">
+                <a:extLst>
+                  <a:ext uri="{FF2B5EF4-FFF2-40B4-BE49-F238E27FC236}">
+                    <a16:creationId xmlns:a16="http://schemas.microsoft.com/office/drawing/2014/main" id="{2AD1B01B-1299-40FD-AFB1-A4C03E42A7DF}"/>
+                  </a:ext>
+                </a:extLst>
+              </p14:cNvPr>
+              <p14:cNvContentPartPr/>
+              <p14:nvPr/>
+            </p14:nvContentPartPr>
+            <p14:xfrm>
+              <a:off x="7775431" y="2121902"/>
+              <a:ext cx="1278720" cy="569520"/>
+            </p14:xfrm>
+          </p:contentPart>
+        </mc:Choice>
+        <mc:Fallback>
+          <p:pic>
+            <p:nvPicPr>
+              <p:cNvPr id="12" name="Ink 11">
+                <a:extLst>
+                  <a:ext uri="{FF2B5EF4-FFF2-40B4-BE49-F238E27FC236}">
+                    <a16:creationId xmlns:a16="http://schemas.microsoft.com/office/drawing/2014/main" id="{2AD1B01B-1299-40FD-AFB1-A4C03E42A7DF}"/>
+                  </a:ext>
+                </a:extLst>
+              </p:cNvPr>
+              <p:cNvPicPr/>
+              <p:nvPr/>
+            </p:nvPicPr>
+            <p:blipFill>
+              <a:blip r:embed="rId9"/>
+              <a:stretch>
+                <a:fillRect/>
+              </a:stretch>
+            </p:blipFill>
+            <p:spPr>
+              <a:xfrm>
+                <a:off x="7721431" y="2014262"/>
+                <a:ext cx="1386360" cy="785160"/>
+              </a:xfrm>
+              <a:prstGeom prst="rect">
+                <a:avLst/>
+              </a:prstGeom>
+            </p:spPr>
+          </p:pic>
+        </mc:Fallback>
+      </mc:AlternateContent>
+      <mc:AlternateContent xmlns:mc="http://schemas.openxmlformats.org/markup-compatibility/2006">
+        <mc:Choice xmlns:p14="http://schemas.microsoft.com/office/powerpoint/2010/main" Requires="p14">
+          <p:contentPart p14:bwMode="auto" r:id="rId10">
+            <p14:nvContentPartPr>
+              <p14:cNvPr id="13" name="Ink 12">
+                <a:extLst>
+                  <a:ext uri="{FF2B5EF4-FFF2-40B4-BE49-F238E27FC236}">
+                    <a16:creationId xmlns:a16="http://schemas.microsoft.com/office/drawing/2014/main" id="{B7CAC2D6-5ABC-4163-B6D1-C5FB27671915}"/>
+                  </a:ext>
+                </a:extLst>
+              </p14:cNvPr>
+              <p14:cNvContentPartPr/>
+              <p14:nvPr/>
+            </p14:nvContentPartPr>
+            <p14:xfrm>
+              <a:off x="8942911" y="2709062"/>
+              <a:ext cx="360" cy="1647360"/>
+            </p14:xfrm>
+          </p:contentPart>
+        </mc:Choice>
+        <mc:Fallback>
+          <p:pic>
+            <p:nvPicPr>
+              <p:cNvPr id="13" name="Ink 12">
+                <a:extLst>
+                  <a:ext uri="{FF2B5EF4-FFF2-40B4-BE49-F238E27FC236}">
+                    <a16:creationId xmlns:a16="http://schemas.microsoft.com/office/drawing/2014/main" id="{B7CAC2D6-5ABC-4163-B6D1-C5FB27671915}"/>
+                  </a:ext>
+                </a:extLst>
+              </p:cNvPr>
+              <p:cNvPicPr/>
+              <p:nvPr/>
+            </p:nvPicPr>
+            <p:blipFill>
+              <a:blip r:embed="rId11"/>
+              <a:stretch>
+                <a:fillRect/>
+              </a:stretch>
+            </p:blipFill>
+            <p:spPr>
+              <a:xfrm>
+                <a:off x="8888911" y="2601062"/>
+                <a:ext cx="108000" cy="1863000"/>
+              </a:xfrm>
+              <a:prstGeom prst="rect">
+                <a:avLst/>
+              </a:prstGeom>
+            </p:spPr>
+          </p:pic>
+        </mc:Fallback>
+      </mc:AlternateContent>
+      <mc:AlternateContent xmlns:mc="http://schemas.openxmlformats.org/markup-compatibility/2006">
+        <mc:Choice xmlns:p14="http://schemas.microsoft.com/office/powerpoint/2010/main" Requires="p14">
+          <p:contentPart p14:bwMode="auto" r:id="rId12">
+            <p14:nvContentPartPr>
+              <p14:cNvPr id="14" name="Ink 13">
+                <a:extLst>
+                  <a:ext uri="{FF2B5EF4-FFF2-40B4-BE49-F238E27FC236}">
+                    <a16:creationId xmlns:a16="http://schemas.microsoft.com/office/drawing/2014/main" id="{7255A096-9306-4E50-9EB2-0A8DAEE34D13}"/>
+                  </a:ext>
+                </a:extLst>
+              </p14:cNvPr>
+              <p14:cNvContentPartPr/>
+              <p14:nvPr/>
+            </p14:nvContentPartPr>
+            <p14:xfrm>
+              <a:off x="9055591" y="2844422"/>
+              <a:ext cx="360" cy="1365120"/>
+            </p14:xfrm>
+          </p:contentPart>
+        </mc:Choice>
+        <mc:Fallback>
+          <p:pic>
+            <p:nvPicPr>
+              <p:cNvPr id="14" name="Ink 13">
+                <a:extLst>
+                  <a:ext uri="{FF2B5EF4-FFF2-40B4-BE49-F238E27FC236}">
+                    <a16:creationId xmlns:a16="http://schemas.microsoft.com/office/drawing/2014/main" id="{7255A096-9306-4E50-9EB2-0A8DAEE34D13}"/>
+                  </a:ext>
+                </a:extLst>
+              </p:cNvPr>
+              <p:cNvPicPr/>
+              <p:nvPr/>
+            </p:nvPicPr>
+            <p:blipFill>
+              <a:blip r:embed="rId13"/>
+              <a:stretch>
+                <a:fillRect/>
+              </a:stretch>
+            </p:blipFill>
+            <p:spPr>
+              <a:xfrm>
+                <a:off x="9001951" y="2736422"/>
+                <a:ext cx="108000" cy="1580760"/>
+              </a:xfrm>
+              <a:prstGeom prst="rect">
+                <a:avLst/>
+              </a:prstGeom>
+            </p:spPr>
+          </p:pic>
+        </mc:Fallback>
+      </mc:AlternateContent>
+      <mc:AlternateContent xmlns:mc="http://schemas.openxmlformats.org/markup-compatibility/2006">
+        <mc:Choice xmlns:p14="http://schemas.microsoft.com/office/powerpoint/2010/main" Requires="p14">
+          <p:contentPart p14:bwMode="auto" r:id="rId14">
+            <p14:nvContentPartPr>
+              <p14:cNvPr id="15" name="Ink 14">
+                <a:extLst>
+                  <a:ext uri="{FF2B5EF4-FFF2-40B4-BE49-F238E27FC236}">
+                    <a16:creationId xmlns:a16="http://schemas.microsoft.com/office/drawing/2014/main" id="{3D1D99EC-94A0-4F3E-9125-75409C2A2557}"/>
+                  </a:ext>
+                </a:extLst>
+              </p14:cNvPr>
+              <p14:cNvContentPartPr/>
+              <p14:nvPr/>
+            </p14:nvContentPartPr>
+            <p14:xfrm>
+              <a:off x="7731151" y="4248782"/>
+              <a:ext cx="1279440" cy="596880"/>
+            </p14:xfrm>
+          </p:contentPart>
+        </mc:Choice>
+        <mc:Fallback>
+          <p:pic>
+            <p:nvPicPr>
+              <p:cNvPr id="15" name="Ink 14">
+                <a:extLst>
+                  <a:ext uri="{FF2B5EF4-FFF2-40B4-BE49-F238E27FC236}">
+                    <a16:creationId xmlns:a16="http://schemas.microsoft.com/office/drawing/2014/main" id="{3D1D99EC-94A0-4F3E-9125-75409C2A2557}"/>
+                  </a:ext>
+                </a:extLst>
+              </p:cNvPr>
+              <p:cNvPicPr/>
+              <p:nvPr/>
+            </p:nvPicPr>
+            <p:blipFill>
+              <a:blip r:embed="rId15"/>
+              <a:stretch>
+                <a:fillRect/>
+              </a:stretch>
+            </p:blipFill>
+            <p:spPr>
+              <a:xfrm>
+                <a:off x="7677151" y="4140782"/>
+                <a:ext cx="1387080" cy="812520"/>
+              </a:xfrm>
+              <a:prstGeom prst="rect">
+                <a:avLst/>
+              </a:prstGeom>
+            </p:spPr>
+          </p:pic>
+        </mc:Fallback>
+      </mc:AlternateContent>
+      <mc:AlternateContent xmlns:mc="http://schemas.openxmlformats.org/markup-compatibility/2006">
+        <mc:Choice xmlns:p14="http://schemas.microsoft.com/office/powerpoint/2010/main" Requires="p14">
+          <p:contentPart p14:bwMode="auto" r:id="rId16">
+            <p14:nvContentPartPr>
+              <p14:cNvPr id="18" name="Ink 17">
+                <a:extLst>
+                  <a:ext uri="{FF2B5EF4-FFF2-40B4-BE49-F238E27FC236}">
+                    <a16:creationId xmlns:a16="http://schemas.microsoft.com/office/drawing/2014/main" id="{F61D596B-C089-4F64-92D9-D283E6D3675F}"/>
+                  </a:ext>
+                </a:extLst>
+              </p14:cNvPr>
+              <p14:cNvContentPartPr/>
+              <p14:nvPr/>
+            </p14:nvContentPartPr>
+            <p14:xfrm>
+              <a:off x="5936911" y="3984542"/>
+              <a:ext cx="1811520" cy="1574640"/>
+            </p14:xfrm>
+          </p:contentPart>
+        </mc:Choice>
+        <mc:Fallback>
+          <p:pic>
+            <p:nvPicPr>
+              <p:cNvPr id="18" name="Ink 17">
+                <a:extLst>
+                  <a:ext uri="{FF2B5EF4-FFF2-40B4-BE49-F238E27FC236}">
+                    <a16:creationId xmlns:a16="http://schemas.microsoft.com/office/drawing/2014/main" id="{F61D596B-C089-4F64-92D9-D283E6D3675F}"/>
+                  </a:ext>
+                </a:extLst>
+              </p:cNvPr>
+              <p:cNvPicPr/>
+              <p:nvPr/>
+            </p:nvPicPr>
+            <p:blipFill>
+              <a:blip r:embed="rId17"/>
+              <a:stretch>
+                <a:fillRect/>
+              </a:stretch>
+            </p:blipFill>
+            <p:spPr>
+              <a:xfrm>
+                <a:off x="5882911" y="3876542"/>
+                <a:ext cx="1919160" cy="1790280"/>
+              </a:xfrm>
+              <a:prstGeom prst="rect">
+                <a:avLst/>
+              </a:prstGeom>
+            </p:spPr>
+          </p:pic>
+        </mc:Fallback>
+      </mc:AlternateContent>
+      <mc:AlternateContent xmlns:mc="http://schemas.openxmlformats.org/markup-compatibility/2006">
+        <mc:Choice xmlns:p14="http://schemas.microsoft.com/office/powerpoint/2010/main" Requires="p14">
+          <p:contentPart p14:bwMode="auto" r:id="rId18">
+            <p14:nvContentPartPr>
+              <p14:cNvPr id="19" name="Ink 18">
+                <a:extLst>
+                  <a:ext uri="{FF2B5EF4-FFF2-40B4-BE49-F238E27FC236}">
+                    <a16:creationId xmlns:a16="http://schemas.microsoft.com/office/drawing/2014/main" id="{547235D8-101E-4151-A545-2E13364B8EC5}"/>
+                  </a:ext>
+                </a:extLst>
+              </p14:cNvPr>
+              <p14:cNvContentPartPr/>
+              <p14:nvPr/>
+            </p14:nvContentPartPr>
+            <p14:xfrm>
+              <a:off x="4633711" y="4265702"/>
+              <a:ext cx="1384560" cy="1246680"/>
+            </p14:xfrm>
+          </p:contentPart>
+        </mc:Choice>
+        <mc:Fallback>
+          <p:pic>
+            <p:nvPicPr>
+              <p:cNvPr id="19" name="Ink 18">
+                <a:extLst>
+                  <a:ext uri="{FF2B5EF4-FFF2-40B4-BE49-F238E27FC236}">
+                    <a16:creationId xmlns:a16="http://schemas.microsoft.com/office/drawing/2014/main" id="{547235D8-101E-4151-A545-2E13364B8EC5}"/>
+                  </a:ext>
+                </a:extLst>
+              </p:cNvPr>
+              <p:cNvPicPr/>
+              <p:nvPr/>
+            </p:nvPicPr>
+            <p:blipFill>
+              <a:blip r:embed="rId19"/>
+              <a:stretch>
+                <a:fillRect/>
+              </a:stretch>
+            </p:blipFill>
+            <p:spPr>
+              <a:xfrm>
+                <a:off x="4579711" y="4157702"/>
+                <a:ext cx="1492200" cy="1462320"/>
+              </a:xfrm>
+              <a:prstGeom prst="rect">
+                <a:avLst/>
+              </a:prstGeom>
+            </p:spPr>
+          </p:pic>
+        </mc:Fallback>
+      </mc:AlternateContent>
+      <mc:AlternateContent xmlns:mc="http://schemas.openxmlformats.org/markup-compatibility/2006">
+        <mc:Choice xmlns:p14="http://schemas.microsoft.com/office/powerpoint/2010/main" Requires="p14">
+          <p:contentPart p14:bwMode="auto" r:id="rId20">
+            <p14:nvContentPartPr>
+              <p14:cNvPr id="2" name="Ink 1">
+                <a:extLst>
+                  <a:ext uri="{FF2B5EF4-FFF2-40B4-BE49-F238E27FC236}">
+                    <a16:creationId xmlns:a16="http://schemas.microsoft.com/office/drawing/2014/main" id="{CD237289-B6FA-4530-8A0A-C51DE91FD72D}"/>
+                  </a:ext>
+                </a:extLst>
+              </p14:cNvPr>
+              <p14:cNvContentPartPr/>
+              <p14:nvPr/>
+            </p14:nvContentPartPr>
+            <p14:xfrm>
+              <a:off x="7289071" y="1863062"/>
+              <a:ext cx="551160" cy="107280"/>
+            </p14:xfrm>
+          </p:contentPart>
+        </mc:Choice>
+        <mc:Fallback>
+          <p:pic>
+            <p:nvPicPr>
+              <p:cNvPr id="2" name="Ink 1">
+                <a:extLst>
+                  <a:ext uri="{FF2B5EF4-FFF2-40B4-BE49-F238E27FC236}">
+                    <a16:creationId xmlns:a16="http://schemas.microsoft.com/office/drawing/2014/main" id="{CD237289-B6FA-4530-8A0A-C51DE91FD72D}"/>
+                  </a:ext>
+                </a:extLst>
+              </p:cNvPr>
+              <p:cNvPicPr/>
+              <p:nvPr/>
+            </p:nvPicPr>
+            <p:blipFill>
+              <a:blip r:embed="rId21"/>
+              <a:stretch>
+                <a:fillRect/>
+              </a:stretch>
+            </p:blipFill>
+            <p:spPr>
+              <a:xfrm>
+                <a:off x="7235431" y="1755422"/>
+                <a:ext cx="658800" cy="322920"/>
+              </a:xfrm>
+              <a:prstGeom prst="rect">
+                <a:avLst/>
+              </a:prstGeom>
+            </p:spPr>
+          </p:pic>
+        </mc:Fallback>
+      </mc:AlternateContent>
+      <mc:AlternateContent xmlns:mc="http://schemas.openxmlformats.org/markup-compatibility/2006">
+        <mc:Choice xmlns:p14="http://schemas.microsoft.com/office/powerpoint/2010/main" Requires="p14">
+          <p:contentPart p14:bwMode="auto" r:id="rId22">
+            <p14:nvContentPartPr>
+              <p14:cNvPr id="5" name="Ink 4">
+                <a:extLst>
+                  <a:ext uri="{FF2B5EF4-FFF2-40B4-BE49-F238E27FC236}">
+                    <a16:creationId xmlns:a16="http://schemas.microsoft.com/office/drawing/2014/main" id="{249ED3CF-F0EA-4D42-BBFA-D2C11545137E}"/>
+                  </a:ext>
+                </a:extLst>
+              </p14:cNvPr>
+              <p14:cNvContentPartPr/>
+              <p14:nvPr/>
+            </p14:nvContentPartPr>
+            <p14:xfrm>
+              <a:off x="7822271" y="2224837"/>
+              <a:ext cx="687240" cy="569520"/>
+            </p14:xfrm>
+          </p:contentPart>
+        </mc:Choice>
+        <mc:Fallback>
+          <p:pic>
+            <p:nvPicPr>
+              <p:cNvPr id="5" name="Ink 4">
+                <a:extLst>
+                  <a:ext uri="{FF2B5EF4-FFF2-40B4-BE49-F238E27FC236}">
+                    <a16:creationId xmlns:a16="http://schemas.microsoft.com/office/drawing/2014/main" id="{249ED3CF-F0EA-4D42-BBFA-D2C11545137E}"/>
+                  </a:ext>
+                </a:extLst>
+              </p:cNvPr>
+              <p:cNvPicPr/>
+              <p:nvPr/>
+            </p:nvPicPr>
+            <p:blipFill>
+              <a:blip r:embed="rId23"/>
+              <a:stretch>
+                <a:fillRect/>
+              </a:stretch>
+            </p:blipFill>
+            <p:spPr>
+              <a:xfrm>
+                <a:off x="7768271" y="2116837"/>
+                <a:ext cx="794880" cy="785160"/>
+              </a:xfrm>
+              <a:prstGeom prst="rect">
+                <a:avLst/>
+              </a:prstGeom>
+            </p:spPr>
+          </p:pic>
+        </mc:Fallback>
+      </mc:AlternateContent>
+      <mc:AlternateContent xmlns:mc="http://schemas.openxmlformats.org/markup-compatibility/2006">
+        <mc:Choice xmlns:p14="http://schemas.microsoft.com/office/powerpoint/2010/main" Requires="p14">
+          <p:contentPart p14:bwMode="auto" r:id="rId24">
+            <p14:nvContentPartPr>
+              <p14:cNvPr id="6" name="Ink 5">
+                <a:extLst>
+                  <a:ext uri="{FF2B5EF4-FFF2-40B4-BE49-F238E27FC236}">
+                    <a16:creationId xmlns:a16="http://schemas.microsoft.com/office/drawing/2014/main" id="{55A586F7-6435-4DA9-8FF2-C04CACA72D08}"/>
+                  </a:ext>
+                </a:extLst>
+              </p14:cNvPr>
+              <p14:cNvContentPartPr/>
+              <p14:nvPr/>
+            </p14:nvContentPartPr>
+            <p14:xfrm>
+              <a:off x="7721831" y="2799037"/>
+              <a:ext cx="789480" cy="817200"/>
+            </p14:xfrm>
+          </p:contentPart>
+        </mc:Choice>
+        <mc:Fallback>
+          <p:pic>
+            <p:nvPicPr>
+              <p:cNvPr id="6" name="Ink 5">
+                <a:extLst>
+                  <a:ext uri="{FF2B5EF4-FFF2-40B4-BE49-F238E27FC236}">
+                    <a16:creationId xmlns:a16="http://schemas.microsoft.com/office/drawing/2014/main" id="{55A586F7-6435-4DA9-8FF2-C04CACA72D08}"/>
+                  </a:ext>
+                </a:extLst>
+              </p:cNvPr>
+              <p:cNvPicPr/>
+              <p:nvPr/>
+            </p:nvPicPr>
+            <p:blipFill>
+              <a:blip r:embed="rId25"/>
+              <a:stretch>
+                <a:fillRect/>
+              </a:stretch>
+            </p:blipFill>
+            <p:spPr>
+              <a:xfrm>
+                <a:off x="7667831" y="2691397"/>
+                <a:ext cx="897120" cy="1032840"/>
+              </a:xfrm>
+              <a:prstGeom prst="rect">
+                <a:avLst/>
+              </a:prstGeom>
+            </p:spPr>
+          </p:pic>
+        </mc:Fallback>
+      </mc:AlternateContent>
+      <mc:AlternateContent xmlns:mc="http://schemas.openxmlformats.org/markup-compatibility/2006">
+        <mc:Choice xmlns:p14="http://schemas.microsoft.com/office/powerpoint/2010/main" Requires="p14">
+          <p:contentPart p14:bwMode="auto" r:id="rId26">
+            <p14:nvContentPartPr>
+              <p14:cNvPr id="7" name="Ink 6">
+                <a:extLst>
+                  <a:ext uri="{FF2B5EF4-FFF2-40B4-BE49-F238E27FC236}">
+                    <a16:creationId xmlns:a16="http://schemas.microsoft.com/office/drawing/2014/main" id="{AD4976CE-2F69-4534-8846-E81F04EBB764}"/>
+                  </a:ext>
+                </a:extLst>
+              </p14:cNvPr>
+              <p14:cNvContentPartPr/>
+              <p14:nvPr/>
+            </p14:nvContentPartPr>
+            <p14:xfrm>
+              <a:off x="5957471" y="4213477"/>
+              <a:ext cx="1860840" cy="1617840"/>
+            </p14:xfrm>
+          </p:contentPart>
+        </mc:Choice>
+        <mc:Fallback>
+          <p:pic>
+            <p:nvPicPr>
+              <p:cNvPr id="7" name="Ink 6">
+                <a:extLst>
+                  <a:ext uri="{FF2B5EF4-FFF2-40B4-BE49-F238E27FC236}">
+                    <a16:creationId xmlns:a16="http://schemas.microsoft.com/office/drawing/2014/main" id="{AD4976CE-2F69-4534-8846-E81F04EBB764}"/>
+                  </a:ext>
+                </a:extLst>
+              </p:cNvPr>
+              <p:cNvPicPr/>
+              <p:nvPr/>
+            </p:nvPicPr>
+            <p:blipFill>
+              <a:blip r:embed="rId27"/>
+              <a:stretch>
+                <a:fillRect/>
+              </a:stretch>
+            </p:blipFill>
+            <p:spPr>
+              <a:xfrm>
+                <a:off x="5903831" y="4105477"/>
+                <a:ext cx="1968480" cy="1833480"/>
+              </a:xfrm>
+              <a:prstGeom prst="rect">
+                <a:avLst/>
+              </a:prstGeom>
+            </p:spPr>
+          </p:pic>
+        </mc:Fallback>
+      </mc:AlternateContent>
+      <mc:AlternateContent xmlns:mc="http://schemas.openxmlformats.org/markup-compatibility/2006">
+        <mc:Choice xmlns:p14="http://schemas.microsoft.com/office/powerpoint/2010/main" Requires="p14">
+          <p:contentPart p14:bwMode="auto" r:id="rId28">
+            <p14:nvContentPartPr>
+              <p14:cNvPr id="11" name="Ink 10">
+                <a:extLst>
+                  <a:ext uri="{FF2B5EF4-FFF2-40B4-BE49-F238E27FC236}">
+                    <a16:creationId xmlns:a16="http://schemas.microsoft.com/office/drawing/2014/main" id="{AD5304B0-B5F4-4668-9097-575A9DCE5098}"/>
+                  </a:ext>
+                </a:extLst>
+              </p14:cNvPr>
+              <p14:cNvContentPartPr/>
+              <p14:nvPr/>
+            </p14:nvContentPartPr>
+            <p14:xfrm>
+              <a:off x="4581671" y="4462441"/>
+              <a:ext cx="1344960" cy="1344960"/>
+            </p14:xfrm>
+          </p:contentPart>
+        </mc:Choice>
+        <mc:Fallback>
+          <p:pic>
+            <p:nvPicPr>
+              <p:cNvPr id="11" name="Ink 10">
+                <a:extLst>
+                  <a:ext uri="{FF2B5EF4-FFF2-40B4-BE49-F238E27FC236}">
+                    <a16:creationId xmlns:a16="http://schemas.microsoft.com/office/drawing/2014/main" id="{AD5304B0-B5F4-4668-9097-575A9DCE5098}"/>
+                  </a:ext>
+                </a:extLst>
+              </p:cNvPr>
+              <p:cNvPicPr/>
+              <p:nvPr/>
+            </p:nvPicPr>
+            <p:blipFill>
+              <a:blip r:embed="rId29"/>
+              <a:stretch>
+                <a:fillRect/>
+              </a:stretch>
+            </p:blipFill>
+            <p:spPr>
+              <a:xfrm>
+                <a:off x="4527671" y="4354801"/>
+                <a:ext cx="1452600" cy="1560600"/>
+              </a:xfrm>
+              <a:prstGeom prst="rect">
+                <a:avLst/>
+              </a:prstGeom>
+            </p:spPr>
+          </p:pic>
+        </mc:Fallback>
+      </mc:AlternateContent>
+    </p:spTree>
+    <p:extLst>
+      <p:ext uri="{BB962C8B-B14F-4D97-AF65-F5344CB8AC3E}">
+        <p14:creationId xmlns:p14="http://schemas.microsoft.com/office/powerpoint/2010/main" val="1472073138"/>
+      </p:ext>
+    </p:extLst>
+  </p:cSld>
+  <p:clrMapOvr>
+    <a:masterClrMapping/>
+  </p:clrMapOvr>
+  <p:transition>
+    <p:fade/>
+  </p:transition>
+  <p:timing>
+    <p:tnLst>
+      <p:par>
+        <p:cTn id="1" dur="indefinite" restart="never" nodeType="tmRoot">
+          <p:childTnLst>
+            <p:seq concurrent="1" nextAc="seek">
+              <p:cTn id="2" dur="indefinite" nodeType="mainSeq">
+                <p:childTnLst>
+                  <p:par>
+                    <p:cTn id="3" fill="hold">
+                      <p:stCondLst>
+                        <p:cond delay="indefinite"/>
+                      </p:stCondLst>
+                      <p:childTnLst>
+                        <p:par>
+                          <p:cTn id="4" fill="hold">
+                            <p:stCondLst>
+                              <p:cond delay="0"/>
+                            </p:stCondLst>
+                            <p:childTnLst>
+                              <p:par>
+                                <p:cTn id="5" presetID="1" presetClass="entr" presetSubtype="0" fill="hold" nodeType="clickEffect">
+                                  <p:stCondLst>
+                                    <p:cond delay="0"/>
+                                  </p:stCondLst>
+                                  <p:childTnLst>
+                                    <p:set>
+                                      <p:cBhvr>
+                                        <p:cTn id="6" dur="1" fill="hold">
+                                          <p:stCondLst>
+                                            <p:cond delay="0"/>
+                                          </p:stCondLst>
+                                        </p:cTn>
+                                        <p:tgtEl>
+                                          <p:spTgt spid="2"/>
+                                        </p:tgtEl>
+                                        <p:attrNameLst>
+                                          <p:attrName>style.visibility</p:attrName>
+                                        </p:attrNameLst>
+                                      </p:cBhvr>
+                                      <p:to>
+                                        <p:strVal val="visible"/>
+                                      </p:to>
+                                    </p:set>
+                                  </p:childTnLst>
+                                </p:cTn>
+                              </p:par>
+                              <p:par>
+                                <p:cTn id="7" presetID="1" presetClass="entr" presetSubtype="0" fill="hold" nodeType="withEffect">
+                                  <p:stCondLst>
+                                    <p:cond delay="0"/>
+                                  </p:stCondLst>
+                                  <p:childTnLst>
+                                    <p:set>
+                                      <p:cBhvr>
+                                        <p:cTn id="8" dur="1" fill="hold">
+                                          <p:stCondLst>
+                                            <p:cond delay="0"/>
+                                          </p:stCondLst>
+                                        </p:cTn>
+                                        <p:tgtEl>
+                                          <p:spTgt spid="10"/>
+                                        </p:tgtEl>
+                                        <p:attrNameLst>
+                                          <p:attrName>style.visibility</p:attrName>
+                                        </p:attrNameLst>
+                                      </p:cBhvr>
+                                      <p:to>
+                                        <p:strVal val="visible"/>
+                                      </p:to>
+                                    </p:set>
+                                  </p:childTnLst>
+                                </p:cTn>
+                              </p:par>
+                              <p:par>
+                                <p:cTn id="9" presetID="1" presetClass="entr" presetSubtype="0" fill="hold" nodeType="withEffect">
+                                  <p:stCondLst>
+                                    <p:cond delay="0"/>
+                                  </p:stCondLst>
+                                  <p:childTnLst>
+                                    <p:set>
+                                      <p:cBhvr>
+                                        <p:cTn id="10" dur="1" fill="hold">
+                                          <p:stCondLst>
+                                            <p:cond delay="0"/>
+                                          </p:stCondLst>
+                                        </p:cTn>
+                                        <p:tgtEl>
+                                          <p:spTgt spid="12"/>
+                                        </p:tgtEl>
+                                        <p:attrNameLst>
+                                          <p:attrName>style.visibility</p:attrName>
+                                        </p:attrNameLst>
+                                      </p:cBhvr>
+                                      <p:to>
+                                        <p:strVal val="visible"/>
+                                      </p:to>
+                                    </p:set>
+                                  </p:childTnLst>
+                                  <p:subTnLst>
+                                    <p:set>
+                                      <p:cBhvr override="childStyle">
+                                        <p:cTn dur="1" fill="hold" display="0" masterRel="nextClick" afterEffect="1"/>
+                                        <p:tgtEl>
+                                          <p:spTgt spid="12"/>
+                                        </p:tgtEl>
+                                        <p:attrNameLst>
+                                          <p:attrName>style.visibility</p:attrName>
+                                        </p:attrNameLst>
+                                      </p:cBhvr>
+                                      <p:to>
+                                        <p:strVal val="hidden"/>
+                                      </p:to>
+                                    </p:set>
+                                  </p:subTnLst>
+                                </p:cTn>
+                              </p:par>
+                              <p:par>
+                                <p:cTn id="11" presetID="1" presetClass="entr" presetSubtype="0" fill="hold" nodeType="withEffect">
+                                  <p:stCondLst>
+                                    <p:cond delay="0"/>
+                                  </p:stCondLst>
+                                  <p:childTnLst>
+                                    <p:set>
+                                      <p:cBhvr>
+                                        <p:cTn id="12" dur="1" fill="hold">
+                                          <p:stCondLst>
+                                            <p:cond delay="0"/>
+                                          </p:stCondLst>
+                                        </p:cTn>
+                                        <p:tgtEl>
+                                          <p:spTgt spid="15"/>
+                                        </p:tgtEl>
+                                        <p:attrNameLst>
+                                          <p:attrName>style.visibility</p:attrName>
+                                        </p:attrNameLst>
+                                      </p:cBhvr>
+                                      <p:to>
+                                        <p:strVal val="visible"/>
+                                      </p:to>
+                                    </p:set>
+                                  </p:childTnLst>
+                                  <p:subTnLst>
+                                    <p:set>
+                                      <p:cBhvr override="childStyle">
+                                        <p:cTn dur="1" fill="hold" display="0" masterRel="nextClick" afterEffect="1"/>
+                                        <p:tgtEl>
+                                          <p:spTgt spid="15"/>
+                                        </p:tgtEl>
+                                        <p:attrNameLst>
+                                          <p:attrName>style.visibility</p:attrName>
+                                        </p:attrNameLst>
+                                      </p:cBhvr>
+                                      <p:to>
+                                        <p:strVal val="hidden"/>
+                                      </p:to>
+                                    </p:set>
+                                  </p:subTnLst>
+                                </p:cTn>
+                              </p:par>
+                              <p:par>
+                                <p:cTn id="13" presetID="1" presetClass="entr" presetSubtype="0" fill="hold" nodeType="withEffect">
+                                  <p:stCondLst>
+                                    <p:cond delay="0"/>
+                                  </p:stCondLst>
+                                  <p:childTnLst>
+                                    <p:set>
+                                      <p:cBhvr>
+                                        <p:cTn id="14" dur="1" fill="hold">
+                                          <p:stCondLst>
+                                            <p:cond delay="0"/>
+                                          </p:stCondLst>
+                                        </p:cTn>
+                                        <p:tgtEl>
+                                          <p:spTgt spid="14"/>
+                                        </p:tgtEl>
+                                        <p:attrNameLst>
+                                          <p:attrName>style.visibility</p:attrName>
+                                        </p:attrNameLst>
+                                      </p:cBhvr>
+                                      <p:to>
+                                        <p:strVal val="visible"/>
+                                      </p:to>
+                                    </p:set>
+                                  </p:childTnLst>
+                                  <p:subTnLst>
+                                    <p:set>
+                                      <p:cBhvr override="childStyle">
+                                        <p:cTn dur="1" fill="hold" display="0" masterRel="nextClick" afterEffect="1"/>
+                                        <p:tgtEl>
+                                          <p:spTgt spid="14"/>
+                                        </p:tgtEl>
+                                        <p:attrNameLst>
+                                          <p:attrName>style.visibility</p:attrName>
+                                        </p:attrNameLst>
+                                      </p:cBhvr>
+                                      <p:to>
+                                        <p:strVal val="hidden"/>
+                                      </p:to>
+                                    </p:set>
+                                  </p:subTnLst>
+                                </p:cTn>
+                              </p:par>
+                              <p:par>
+                                <p:cTn id="15" presetID="1" presetClass="entr" presetSubtype="0" fill="hold" nodeType="withEffect">
+                                  <p:stCondLst>
+                                    <p:cond delay="0"/>
+                                  </p:stCondLst>
+                                  <p:childTnLst>
+                                    <p:set>
+                                      <p:cBhvr>
+                                        <p:cTn id="16" dur="1" fill="hold">
+                                          <p:stCondLst>
+                                            <p:cond delay="0"/>
+                                          </p:stCondLst>
+                                        </p:cTn>
+                                        <p:tgtEl>
+                                          <p:spTgt spid="13"/>
+                                        </p:tgtEl>
+                                        <p:attrNameLst>
+                                          <p:attrName>style.visibility</p:attrName>
+                                        </p:attrNameLst>
+                                      </p:cBhvr>
+                                      <p:to>
+                                        <p:strVal val="visible"/>
+                                      </p:to>
+                                    </p:set>
+                                  </p:childTnLst>
+                                  <p:subTnLst>
+                                    <p:set>
+                                      <p:cBhvr override="childStyle">
+                                        <p:cTn dur="1" fill="hold" display="0" masterRel="nextClick" afterEffect="1"/>
+                                        <p:tgtEl>
+                                          <p:spTgt spid="13"/>
+                                        </p:tgtEl>
+                                        <p:attrNameLst>
+                                          <p:attrName>style.visibility</p:attrName>
+                                        </p:attrNameLst>
+                                      </p:cBhvr>
+                                      <p:to>
+                                        <p:strVal val="hidden"/>
+                                      </p:to>
+                                    </p:set>
+                                  </p:subTnLst>
+                                </p:cTn>
+                              </p:par>
+                              <p:par>
+                                <p:cTn id="17" presetID="1" presetClass="entr" presetSubtype="0" fill="hold" nodeType="withEffect">
+                                  <p:stCondLst>
+                                    <p:cond delay="0"/>
+                                  </p:stCondLst>
+                                  <p:childTnLst>
+                                    <p:set>
+                                      <p:cBhvr>
+                                        <p:cTn id="18" dur="1" fill="hold">
+                                          <p:stCondLst>
+                                            <p:cond delay="0"/>
+                                          </p:stCondLst>
+                                        </p:cTn>
+                                        <p:tgtEl>
+                                          <p:spTgt spid="18"/>
+                                        </p:tgtEl>
+                                        <p:attrNameLst>
+                                          <p:attrName>style.visibility</p:attrName>
+                                        </p:attrNameLst>
+                                      </p:cBhvr>
+                                      <p:to>
+                                        <p:strVal val="visible"/>
+                                      </p:to>
+                                    </p:set>
+                                  </p:childTnLst>
+                                  <p:subTnLst>
+                                    <p:set>
+                                      <p:cBhvr override="childStyle">
+                                        <p:cTn dur="1" fill="hold" display="0" masterRel="nextClick" afterEffect="1"/>
+                                        <p:tgtEl>
+                                          <p:spTgt spid="18"/>
+                                        </p:tgtEl>
+                                        <p:attrNameLst>
+                                          <p:attrName>style.visibility</p:attrName>
+                                        </p:attrNameLst>
+                                      </p:cBhvr>
+                                      <p:to>
+                                        <p:strVal val="hidden"/>
+                                      </p:to>
+                                    </p:set>
+                                  </p:subTnLst>
+                                </p:cTn>
+                              </p:par>
+                              <p:par>
+                                <p:cTn id="19" presetID="1" presetClass="entr" presetSubtype="0" fill="hold" nodeType="withEffect">
+                                  <p:stCondLst>
+                                    <p:cond delay="0"/>
+                                  </p:stCondLst>
+                                  <p:childTnLst>
+                                    <p:set>
+                                      <p:cBhvr>
+                                        <p:cTn id="20" dur="1" fill="hold">
+                                          <p:stCondLst>
+                                            <p:cond delay="0"/>
+                                          </p:stCondLst>
+                                        </p:cTn>
+                                        <p:tgtEl>
+                                          <p:spTgt spid="19"/>
+                                        </p:tgtEl>
+                                        <p:attrNameLst>
+                                          <p:attrName>style.visibility</p:attrName>
+                                        </p:attrNameLst>
+                                      </p:cBhvr>
+                                      <p:to>
+                                        <p:strVal val="visible"/>
+                                      </p:to>
+                                    </p:set>
+                                  </p:childTnLst>
+                                  <p:subTnLst>
+                                    <p:set>
+                                      <p:cBhvr override="childStyle">
+                                        <p:cTn dur="1" fill="hold" display="0" masterRel="nextClick" afterEffect="1"/>
+                                        <p:tgtEl>
+                                          <p:spTgt spid="19"/>
+                                        </p:tgtEl>
+                                        <p:attrNameLst>
+                                          <p:attrName>style.visibility</p:attrName>
+                                        </p:attrNameLst>
+                                      </p:cBhvr>
+                                      <p:to>
+                                        <p:strVal val="hidden"/>
+                                      </p:to>
+                                    </p:set>
+                                  </p:subTnLst>
+                                </p:cTn>
+                              </p:par>
+                            </p:childTnLst>
+                          </p:cTn>
+                        </p:par>
+                      </p:childTnLst>
+                    </p:cTn>
+                  </p:par>
+                  <p:par>
+                    <p:cTn id="21" fill="hold">
+                      <p:stCondLst>
+                        <p:cond delay="indefinite"/>
+                      </p:stCondLst>
+                      <p:childTnLst>
+                        <p:par>
+                          <p:cTn id="22" fill="hold">
+                            <p:stCondLst>
+                              <p:cond delay="0"/>
+                            </p:stCondLst>
+                            <p:childTnLst>
+                              <p:par>
+                                <p:cTn id="23" presetID="1" presetClass="entr" presetSubtype="0" fill="hold" nodeType="clickEffect">
+                                  <p:stCondLst>
+                                    <p:cond delay="0"/>
+                                  </p:stCondLst>
+                                  <p:childTnLst>
+                                    <p:set>
+                                      <p:cBhvr>
+                                        <p:cTn id="24" dur="1" fill="hold">
+                                          <p:stCondLst>
+                                            <p:cond delay="0"/>
+                                          </p:stCondLst>
+                                        </p:cTn>
+                                        <p:tgtEl>
+                                          <p:spTgt spid="6"/>
+                                        </p:tgtEl>
+                                        <p:attrNameLst>
+                                          <p:attrName>style.visibility</p:attrName>
+                                        </p:attrNameLst>
+                                      </p:cBhvr>
+                                      <p:to>
+                                        <p:strVal val="visible"/>
+                                      </p:to>
+                                    </p:set>
+                                  </p:childTnLst>
+                                </p:cTn>
+                              </p:par>
+                              <p:par>
+                                <p:cTn id="25" presetID="1" presetClass="entr" presetSubtype="0" fill="hold" nodeType="withEffect">
+                                  <p:stCondLst>
+                                    <p:cond delay="0"/>
+                                  </p:stCondLst>
+                                  <p:childTnLst>
+                                    <p:set>
+                                      <p:cBhvr>
+                                        <p:cTn id="26" dur="1" fill="hold">
+                                          <p:stCondLst>
+                                            <p:cond delay="0"/>
+                                          </p:stCondLst>
+                                        </p:cTn>
+                                        <p:tgtEl>
+                                          <p:spTgt spid="5"/>
+                                        </p:tgtEl>
+                                        <p:attrNameLst>
+                                          <p:attrName>style.visibility</p:attrName>
+                                        </p:attrNameLst>
+                                      </p:cBhvr>
+                                      <p:to>
+                                        <p:strVal val="visible"/>
+                                      </p:to>
+                                    </p:set>
+                                  </p:childTnLst>
+                                </p:cTn>
+                              </p:par>
+                              <p:par>
+                                <p:cTn id="27" presetID="1" presetClass="entr" presetSubtype="0" fill="hold" nodeType="withEffect">
+                                  <p:stCondLst>
+                                    <p:cond delay="0"/>
+                                  </p:stCondLst>
+                                  <p:childTnLst>
+                                    <p:set>
+                                      <p:cBhvr>
+                                        <p:cTn id="28" dur="1" fill="hold">
+                                          <p:stCondLst>
+                                            <p:cond delay="0"/>
+                                          </p:stCondLst>
+                                        </p:cTn>
+                                        <p:tgtEl>
+                                          <p:spTgt spid="7"/>
+                                        </p:tgtEl>
+                                        <p:attrNameLst>
+                                          <p:attrName>style.visibility</p:attrName>
+                                        </p:attrNameLst>
+                                      </p:cBhvr>
+                                      <p:to>
+                                        <p:strVal val="visible"/>
+                                      </p:to>
+                                    </p:set>
+                                  </p:childTnLst>
+                                </p:cTn>
+                              </p:par>
+                              <p:par>
+                                <p:cTn id="29" presetID="1" presetClass="entr" presetSubtype="0" fill="hold" nodeType="withEffect">
+                                  <p:stCondLst>
+                                    <p:cond delay="0"/>
+                                  </p:stCondLst>
+                                  <p:childTnLst>
+                                    <p:set>
+                                      <p:cBhvr>
+                                        <p:cTn id="30" dur="1" fill="hold">
+                                          <p:stCondLst>
+                                            <p:cond delay="0"/>
+                                          </p:stCondLst>
+                                        </p:cTn>
+                                        <p:tgtEl>
+                                          <p:spTgt spid="11"/>
+                                        </p:tgtEl>
+                                        <p:attrNameLst>
+                                          <p:attrName>style.visibility</p:attrName>
+                                        </p:attrNameLst>
+                                      </p:cBhvr>
+                                      <p:to>
+                                        <p:strVal val="visible"/>
+                                      </p:to>
+                                    </p:set>
+                                  </p:childTnLst>
+                                </p:cTn>
+                              </p:par>
+                            </p:childTnLst>
+                          </p:cTn>
+                        </p:par>
+                      </p:childTnLst>
+                    </p:cTn>
+                  </p:par>
+                </p:childTnLst>
+              </p:cTn>
+              <p:prevCondLst>
+                <p:cond evt="onPrev" delay="0">
+                  <p:tgtEl>
+                    <p:sldTgt/>
+                  </p:tgtEl>
+                </p:cond>
+              </p:prevCondLst>
+              <p:nextCondLst>
+                <p:cond evt="onNext" delay="0">
+                  <p:tgtEl>
+                    <p:sldTgt/>
+                  </p:tgtEl>
+                </p:cond>
+              </p:nextCondLst>
+            </p:seq>
+          </p:childTnLst>
+        </p:cTn>
+      </p:par>
+    </p:tnLst>
+  </p:timing>
+</p:sld>
+</file>
+
+<file path=ppt/slides/slide6.xml><?xml version="1.0" encoding="utf-8"?>
+<p:sld xmlns:a="http://schemas.openxmlformats.org/drawingml/2006/main" xmlns:r="http://schemas.openxmlformats.org/officeDocument/2006/relationships" xmlns:p="http://schemas.openxmlformats.org/presentationml/2006/main">
+  <p:cSld>
+    <p:spTree>
+      <p:nvGrpSpPr>
+        <p:cNvPr id="1" name=""/>
+        <p:cNvGrpSpPr/>
+        <p:nvPr/>
+      </p:nvGrpSpPr>
+      <p:grpSpPr>
+        <a:xfrm>
+          <a:off x="0" y="0"/>
+          <a:ext cx="0" cy="0"/>
+          <a:chOff x="0" y="0"/>
+          <a:chExt cx="0" cy="0"/>
+        </a:xfrm>
+      </p:grpSpPr>
       <p:sp>
         <p:nvSpPr>
           <p:cNvPr id="4" name="Title 3">
@@ -8919,7 +10770,7 @@
 </p:sld>
 </file>
 
-<file path=ppt/slides/slide6.xml><?xml version="1.0" encoding="utf-8"?>
+<file path=ppt/slides/slide7.xml><?xml version="1.0" encoding="utf-8"?>
 <p:sld xmlns:a="http://schemas.openxmlformats.org/drawingml/2006/main" xmlns:r="http://schemas.openxmlformats.org/officeDocument/2006/relationships" xmlns:p="http://schemas.openxmlformats.org/presentationml/2006/main">
   <p:cSld>
     <p:spTree>
@@ -9392,7 +11243,7 @@
 </p:sld>
 </file>
 
-<file path=ppt/slides/slide7.xml><?xml version="1.0" encoding="utf-8"?>
+<file path=ppt/slides/slide8.xml><?xml version="1.0" encoding="utf-8"?>
 <p:sld xmlns:a="http://schemas.openxmlformats.org/drawingml/2006/main" xmlns:r="http://schemas.openxmlformats.org/officeDocument/2006/relationships" xmlns:p="http://schemas.openxmlformats.org/presentationml/2006/main">
   <p:cSld>
     <p:spTree>
@@ -9450,7 +11301,7 @@
 </p:sld>
 </file>
 
-<file path=ppt/slides/slide8.xml><?xml version="1.0" encoding="utf-8"?>
+<file path=ppt/slides/slide9.xml><?xml version="1.0" encoding="utf-8"?>
 <p:sld xmlns:a="http://schemas.openxmlformats.org/drawingml/2006/main" xmlns:r="http://schemas.openxmlformats.org/officeDocument/2006/relationships" xmlns:p="http://schemas.openxmlformats.org/presentationml/2006/main">
   <p:cSld>
     <p:spTree>
@@ -9517,68 +11368,6 @@
       </p:transition>
     </mc:Fallback>
   </mc:AlternateContent>
-</p:sld>
-</file>
-
-<file path=ppt/slides/slide9.xml><?xml version="1.0" encoding="utf-8"?>
-<p:sld xmlns:a="http://schemas.openxmlformats.org/drawingml/2006/main" xmlns:r="http://schemas.openxmlformats.org/officeDocument/2006/relationships" xmlns:p="http://schemas.openxmlformats.org/presentationml/2006/main">
-  <p:cSld>
-    <p:spTree>
-      <p:nvGrpSpPr>
-        <p:cNvPr id="1" name=""/>
-        <p:cNvGrpSpPr/>
-        <p:nvPr/>
-      </p:nvGrpSpPr>
-      <p:grpSpPr>
-        <a:xfrm>
-          <a:off x="0" y="0"/>
-          <a:ext cx="0" cy="0"/>
-          <a:chOff x="0" y="0"/>
-          <a:chExt cx="0" cy="0"/>
-        </a:xfrm>
-      </p:grpSpPr>
-      <p:sp>
-        <p:nvSpPr>
-          <p:cNvPr id="2" name="Title 1">
-            <a:extLst>
-              <a:ext uri="{FF2B5EF4-FFF2-40B4-BE49-F238E27FC236}">
-                <a16:creationId xmlns:a16="http://schemas.microsoft.com/office/drawing/2014/main" id="{584AA7D0-2347-4019-A2A1-9874E0010DE0}"/>
-              </a:ext>
-            </a:extLst>
-          </p:cNvPr>
-          <p:cNvSpPr>
-            <a:spLocks noGrp="1"/>
-          </p:cNvSpPr>
-          <p:nvPr>
-            <p:ph type="title"/>
-          </p:nvPr>
-        </p:nvSpPr>
-        <p:spPr/>
-        <p:txBody>
-          <a:bodyPr/>
-          <a:lstStyle/>
-          <a:p>
-            <a:r>
-              <a:rPr lang="en-US"/>
-              <a:t>Hello World (LED)</a:t>
-            </a:r>
-            <a:endParaRPr lang="en-US" dirty="0"/>
-          </a:p>
-        </p:txBody>
-      </p:sp>
-    </p:spTree>
-    <p:extLst>
-      <p:ext uri="{BB962C8B-B14F-4D97-AF65-F5344CB8AC3E}">
-        <p14:creationId xmlns:p14="http://schemas.microsoft.com/office/powerpoint/2010/main" val="1725036062"/>
-      </p:ext>
-    </p:extLst>
-  </p:cSld>
-  <p:clrMapOvr>
-    <a:masterClrMapping/>
-  </p:clrMapOvr>
-  <p:transition>
-    <p:fade/>
-  </p:transition>
 </p:sld>
 </file>
 
